--- a/포트폴리오/최유진 포트폴리오2.pptx
+++ b/포트폴리오/최유진 포트폴리오2.pptx
@@ -3782,8 +3782,8 @@
         </p:nvSpPr>
         <p:spPr>
           <a:xfrm>
-            <a:off x="5781938" y="3216365"/>
-            <a:ext cx="3259496" cy="799980"/>
+            <a:off x="5781938" y="3339356"/>
+            <a:ext cx="3819262" cy="553998"/>
           </a:xfrm>
           <a:prstGeom prst="rect">
             <a:avLst/>
@@ -3804,7 +3804,7 @@
                 <a:latin typeface="Caviar Dreams" pitchFamily="34" charset="0"/>
                 <a:cs typeface="Caviar Dreams" pitchFamily="34" charset="0"/>
               </a:rPr>
-              <a:t>Pro Skills</a:t>
+              <a:t>Programming Skills</a:t>
             </a:r>
             <a:endParaRPr lang="en-US" dirty="0"/>
           </a:p>
@@ -4304,8 +4304,8 @@
         </p:nvGrpSpPr>
         <p:grpSpPr>
           <a:xfrm>
-            <a:off x="6776812" y="2016588"/>
-            <a:ext cx="11282882" cy="6214443"/>
+            <a:off x="7273880" y="2171700"/>
+            <a:ext cx="11014120" cy="6214443"/>
             <a:chOff x="6776812" y="2016588"/>
             <a:chExt cx="11282882" cy="6214443"/>
           </a:xfrm>
@@ -5435,6 +5435,557 @@
           <a:chExt cx="0" cy="0"/>
         </a:xfrm>
       </p:grpSpPr>
+      <p:sp>
+        <p:nvSpPr>
+          <p:cNvPr id="5" name="Object 5"/>
+          <p:cNvSpPr txBox="1"/>
+          <p:nvPr/>
+        </p:nvSpPr>
+        <p:spPr>
+          <a:xfrm>
+            <a:off x="152400" y="730538"/>
+            <a:ext cx="14097000" cy="9094797"/>
+          </a:xfrm>
+          <a:prstGeom prst="rect">
+            <a:avLst/>
+          </a:prstGeom>
+        </p:spPr>
+        <p:style>
+          <a:lnRef idx="2">
+            <a:schemeClr val="accent5"/>
+          </a:lnRef>
+          <a:fillRef idx="1">
+            <a:schemeClr val="lt1"/>
+          </a:fillRef>
+          <a:effectRef idx="0">
+            <a:schemeClr val="accent5"/>
+          </a:effectRef>
+          <a:fontRef idx="minor">
+            <a:schemeClr val="dk1"/>
+          </a:fontRef>
+        </p:style>
+        <p:txBody>
+          <a:bodyPr wrap="square" rtlCol="0" anchor="t">
+            <a:spAutoFit/>
+          </a:bodyPr>
+          <a:lstStyle/>
+          <a:p>
+            <a:r>
+              <a:rPr lang="en-US" sz="1500" dirty="0">
+                <a:solidFill>
+                  <a:srgbClr val="000000"/>
+                </a:solidFill>
+                <a:latin typeface="Noto Sans CJK KR Regular" pitchFamily="34" charset="0"/>
+                <a:cs typeface="Noto Sans CJK KR Regular" pitchFamily="34" charset="0"/>
+              </a:rPr>
+              <a:t>float4 SpotLight(int nIndex, float3 vPosition, float3 vNormal, float3 vToCamera)</a:t>
+            </a:r>
+          </a:p>
+          <a:p>
+            <a:r>
+              <a:rPr lang="en-US" sz="1500" dirty="0">
+                <a:solidFill>
+                  <a:srgbClr val="000000"/>
+                </a:solidFill>
+                <a:latin typeface="Noto Sans CJK KR Regular" pitchFamily="34" charset="0"/>
+                <a:cs typeface="Noto Sans CJK KR Regular" pitchFamily="34" charset="0"/>
+              </a:rPr>
+              <a:t>{</a:t>
+            </a:r>
+          </a:p>
+          <a:p>
+            <a:r>
+              <a:rPr lang="en-US" sz="1500" dirty="0">
+                <a:solidFill>
+                  <a:srgbClr val="000000"/>
+                </a:solidFill>
+                <a:latin typeface="Noto Sans CJK KR Regular" pitchFamily="34" charset="0"/>
+                <a:cs typeface="Noto Sans CJK KR Regular" pitchFamily="34" charset="0"/>
+              </a:rPr>
+              <a:t>   float3 vToLight = gLights[nIndex].m_vPosition - vPosition;                                                                       // 방향백터 계산</a:t>
+            </a:r>
+          </a:p>
+          <a:p>
+            <a:r>
+              <a:rPr lang="en-US" sz="1500" dirty="0">
+                <a:solidFill>
+                  <a:srgbClr val="000000"/>
+                </a:solidFill>
+                <a:latin typeface="Noto Sans CJK KR Regular" pitchFamily="34" charset="0"/>
+                <a:cs typeface="Noto Sans CJK KR Regular" pitchFamily="34" charset="0"/>
+              </a:rPr>
+              <a:t>   float fDistance = length(vToLight);                                                                                                               //물체와 조명의 거리 </a:t>
+            </a:r>
+          </a:p>
+          <a:p>
+            <a:r>
+              <a:rPr lang="en-US" sz="1500" dirty="0">
+                <a:solidFill>
+                  <a:srgbClr val="000000"/>
+                </a:solidFill>
+                <a:latin typeface="Noto Sans CJK KR Regular" pitchFamily="34" charset="0"/>
+                <a:cs typeface="Noto Sans CJK KR Regular" pitchFamily="34" charset="0"/>
+              </a:rPr>
+              <a:t>   if (fDistance &lt;= gLights[nIndex].m_fRange)                                                                                                 </a:t>
+            </a:r>
+          </a:p>
+          <a:p>
+            <a:r>
+              <a:rPr lang="en-US" sz="1500" dirty="0">
+                <a:solidFill>
+                  <a:srgbClr val="000000"/>
+                </a:solidFill>
+                <a:latin typeface="Noto Sans CJK KR Regular" pitchFamily="34" charset="0"/>
+                <a:cs typeface="Noto Sans CJK KR Regular" pitchFamily="34" charset="0"/>
+              </a:rPr>
+              <a:t>   {</a:t>
+            </a:r>
+          </a:p>
+          <a:p>
+            <a:r>
+              <a:rPr lang="en-US" sz="1500" dirty="0">
+                <a:solidFill>
+                  <a:srgbClr val="000000"/>
+                </a:solidFill>
+                <a:latin typeface="Noto Sans CJK KR Regular" pitchFamily="34" charset="0"/>
+                <a:cs typeface="Noto Sans CJK KR Regular" pitchFamily="34" charset="0"/>
+              </a:rPr>
+              <a:t>      float fSpecularFactor = 0.0f;</a:t>
+            </a:r>
+          </a:p>
+          <a:p>
+            <a:r>
+              <a:rPr lang="en-US" sz="1500" dirty="0">
+                <a:solidFill>
+                  <a:srgbClr val="000000"/>
+                </a:solidFill>
+                <a:latin typeface="Noto Sans CJK KR Regular" pitchFamily="34" charset="0"/>
+                <a:cs typeface="Noto Sans CJK KR Regular" pitchFamily="34" charset="0"/>
+              </a:rPr>
+              <a:t>      vToLight /= fDistance; </a:t>
+            </a:r>
+          </a:p>
+          <a:p>
+            <a:r>
+              <a:rPr lang="en-US" sz="1500" dirty="0">
+                <a:solidFill>
+                  <a:srgbClr val="000000"/>
+                </a:solidFill>
+                <a:latin typeface="Noto Sans CJK KR Regular" pitchFamily="34" charset="0"/>
+                <a:cs typeface="Noto Sans CJK KR Regular" pitchFamily="34" charset="0"/>
+              </a:rPr>
+              <a:t>      float fDiffuseFactor = dot(vToLight, vNormal);</a:t>
+            </a:r>
+          </a:p>
+          <a:p>
+            <a:r>
+              <a:rPr lang="en-US" sz="1500" dirty="0">
+                <a:solidFill>
+                  <a:srgbClr val="000000"/>
+                </a:solidFill>
+                <a:latin typeface="Noto Sans CJK KR Regular" pitchFamily="34" charset="0"/>
+                <a:cs typeface="Noto Sans CJK KR Regular" pitchFamily="34" charset="0"/>
+              </a:rPr>
+              <a:t>      if (fDiffuseFactor &gt; 0.0f)</a:t>
+            </a:r>
+          </a:p>
+          <a:p>
+            <a:r>
+              <a:rPr lang="en-US" sz="1500" dirty="0">
+                <a:solidFill>
+                  <a:srgbClr val="000000"/>
+                </a:solidFill>
+                <a:latin typeface="Noto Sans CJK KR Regular" pitchFamily="34" charset="0"/>
+                <a:cs typeface="Noto Sans CJK KR Regular" pitchFamily="34" charset="0"/>
+              </a:rPr>
+              <a:t>      {</a:t>
+            </a:r>
+          </a:p>
+          <a:p>
+            <a:r>
+              <a:rPr lang="en-US" sz="1500" dirty="0">
+                <a:solidFill>
+                  <a:srgbClr val="000000"/>
+                </a:solidFill>
+                <a:latin typeface="Noto Sans CJK KR Regular" pitchFamily="34" charset="0"/>
+                <a:cs typeface="Noto Sans CJK KR Regular" pitchFamily="34" charset="0"/>
+              </a:rPr>
+              <a:t>         if (gMaterial.m_cSpecular.a != 0.0f)</a:t>
+            </a:r>
+          </a:p>
+          <a:p>
+            <a:r>
+              <a:rPr lang="en-US" sz="1500" dirty="0">
+                <a:solidFill>
+                  <a:srgbClr val="000000"/>
+                </a:solidFill>
+                <a:latin typeface="Noto Sans CJK KR Regular" pitchFamily="34" charset="0"/>
+                <a:cs typeface="Noto Sans CJK KR Regular" pitchFamily="34" charset="0"/>
+              </a:rPr>
+              <a:t>         {</a:t>
+            </a:r>
+          </a:p>
+          <a:p>
+            <a:r>
+              <a:rPr lang="en-US" sz="1500" dirty="0">
+                <a:solidFill>
+                  <a:srgbClr val="000000"/>
+                </a:solidFill>
+                <a:latin typeface="Noto Sans CJK KR Regular" pitchFamily="34" charset="0"/>
+                <a:cs typeface="Noto Sans CJK KR Regular" pitchFamily="34" charset="0"/>
+              </a:rPr>
+              <a:t>  #ifdef _WITH_REFLECT                                                                                                                                    //스페큘러 효과를 계산</a:t>
+            </a:r>
+          </a:p>
+          <a:p>
+            <a:r>
+              <a:rPr lang="en-US" sz="1500" dirty="0">
+                <a:solidFill>
+                  <a:srgbClr val="000000"/>
+                </a:solidFill>
+                <a:latin typeface="Noto Sans CJK KR Regular" pitchFamily="34" charset="0"/>
+                <a:cs typeface="Noto Sans CJK KR Regular" pitchFamily="34" charset="0"/>
+              </a:rPr>
+              <a:t>            float3 vReflect = reflect(-vToLight, vNormal);</a:t>
+            </a:r>
+          </a:p>
+          <a:p>
+            <a:r>
+              <a:rPr lang="en-US" sz="1500" dirty="0">
+                <a:solidFill>
+                  <a:srgbClr val="000000"/>
+                </a:solidFill>
+                <a:latin typeface="Noto Sans CJK KR Regular" pitchFamily="34" charset="0"/>
+                <a:cs typeface="Noto Sans CJK KR Regular" pitchFamily="34" charset="0"/>
+              </a:rPr>
+              <a:t>            fSpecularFactor = pow(max(dot(vReflect, vToCamera), 0.0f), gMaterial.m_cSpecular.a);</a:t>
+            </a:r>
+          </a:p>
+          <a:p>
+            <a:r>
+              <a:rPr lang="en-US" sz="1500" dirty="0">
+                <a:solidFill>
+                  <a:srgbClr val="000000"/>
+                </a:solidFill>
+                <a:latin typeface="Noto Sans CJK KR Regular" pitchFamily="34" charset="0"/>
+                <a:cs typeface="Noto Sans CJK KR Regular" pitchFamily="34" charset="0"/>
+              </a:rPr>
+              <a:t>  #else</a:t>
+            </a:r>
+          </a:p>
+          <a:p>
+            <a:r>
+              <a:rPr lang="en-US" sz="1500" dirty="0">
+                <a:solidFill>
+                  <a:srgbClr val="000000"/>
+                </a:solidFill>
+                <a:latin typeface="Noto Sans CJK KR Regular" pitchFamily="34" charset="0"/>
+                <a:cs typeface="Noto Sans CJK KR Regular" pitchFamily="34" charset="0"/>
+              </a:rPr>
+              <a:t>  #ifdef _WITH_LOCAL_VIEWER_HIGHLIGHTING</a:t>
+            </a:r>
+          </a:p>
+          <a:p>
+            <a:r>
+              <a:rPr lang="en-US" sz="1500" dirty="0">
+                <a:solidFill>
+                  <a:srgbClr val="000000"/>
+                </a:solidFill>
+                <a:latin typeface="Noto Sans CJK KR Regular" pitchFamily="34" charset="0"/>
+                <a:cs typeface="Noto Sans CJK KR Regular" pitchFamily="34" charset="0"/>
+              </a:rPr>
+              <a:t>            float3 vHalf = normalize(vToCamera + vToLight);</a:t>
+            </a:r>
+          </a:p>
+          <a:p>
+            <a:r>
+              <a:rPr lang="en-US" sz="1500" dirty="0">
+                <a:solidFill>
+                  <a:srgbClr val="000000"/>
+                </a:solidFill>
+                <a:latin typeface="Noto Sans CJK KR Regular" pitchFamily="34" charset="0"/>
+                <a:cs typeface="Noto Sans CJK KR Regular" pitchFamily="34" charset="0"/>
+              </a:rPr>
+              <a:t>  #else</a:t>
+            </a:r>
+          </a:p>
+          <a:p>
+            <a:r>
+              <a:rPr lang="en-US" sz="1500" dirty="0">
+                <a:solidFill>
+                  <a:srgbClr val="000000"/>
+                </a:solidFill>
+                <a:latin typeface="Noto Sans CJK KR Regular" pitchFamily="34" charset="0"/>
+                <a:cs typeface="Noto Sans CJK KR Regular" pitchFamily="34" charset="0"/>
+              </a:rPr>
+              <a:t>           float3 vHalf = float3(0.0f, 1.0f, 0.0f);</a:t>
+            </a:r>
+          </a:p>
+          <a:p>
+            <a:r>
+              <a:rPr lang="en-US" sz="1500" dirty="0">
+                <a:solidFill>
+                  <a:srgbClr val="000000"/>
+                </a:solidFill>
+                <a:latin typeface="Noto Sans CJK KR Regular" pitchFamily="34" charset="0"/>
+                <a:cs typeface="Noto Sans CJK KR Regular" pitchFamily="34" charset="0"/>
+              </a:rPr>
+              <a:t>  #endif</a:t>
+            </a:r>
+          </a:p>
+          <a:p>
+            <a:r>
+              <a:rPr lang="en-US" sz="1500" dirty="0">
+                <a:solidFill>
+                  <a:srgbClr val="000000"/>
+                </a:solidFill>
+                <a:latin typeface="Noto Sans CJK KR Regular" pitchFamily="34" charset="0"/>
+                <a:cs typeface="Noto Sans CJK KR Regular" pitchFamily="34" charset="0"/>
+              </a:rPr>
+              <a:t>           fSpecularFactor = pow(max(dot(vHalf, vNormal), 0.0f), gMaterial.m_cSpecular.a);</a:t>
+            </a:r>
+          </a:p>
+          <a:p>
+            <a:r>
+              <a:rPr lang="en-US" sz="1500" dirty="0">
+                <a:solidFill>
+                  <a:srgbClr val="000000"/>
+                </a:solidFill>
+                <a:latin typeface="Noto Sans CJK KR Regular" pitchFamily="34" charset="0"/>
+                <a:cs typeface="Noto Sans CJK KR Regular" pitchFamily="34" charset="0"/>
+              </a:rPr>
+              <a:t>  #endif                                               </a:t>
+            </a:r>
+          </a:p>
+          <a:p>
+            <a:r>
+              <a:rPr lang="en-US" sz="1500" dirty="0">
+                <a:solidFill>
+                  <a:srgbClr val="000000"/>
+                </a:solidFill>
+                <a:latin typeface="Noto Sans CJK KR Regular" pitchFamily="34" charset="0"/>
+                <a:cs typeface="Noto Sans CJK KR Regular" pitchFamily="34" charset="0"/>
+              </a:rPr>
+              <a:t>         }</a:t>
+            </a:r>
+          </a:p>
+          <a:p>
+            <a:r>
+              <a:rPr lang="en-US" sz="1500" dirty="0">
+                <a:solidFill>
+                  <a:srgbClr val="000000"/>
+                </a:solidFill>
+                <a:latin typeface="Noto Sans CJK KR Regular" pitchFamily="34" charset="0"/>
+                <a:cs typeface="Noto Sans CJK KR Regular" pitchFamily="34" charset="0"/>
+              </a:rPr>
+              <a:t>     }</a:t>
+            </a:r>
+          </a:p>
+          <a:p>
+            <a:endParaRPr lang="en-US" sz="1500" dirty="0">
+              <a:solidFill>
+                <a:srgbClr val="000000"/>
+              </a:solidFill>
+              <a:latin typeface="Noto Sans CJK KR Regular" pitchFamily="34" charset="0"/>
+              <a:cs typeface="Noto Sans CJK KR Regular" pitchFamily="34" charset="0"/>
+            </a:endParaRPr>
+          </a:p>
+          <a:p>
+            <a:r>
+              <a:rPr lang="en-US" sz="1500" dirty="0">
+                <a:solidFill>
+                  <a:srgbClr val="5D6DBE"/>
+                </a:solidFill>
+                <a:latin typeface="Noto Sans CJK KR Regular" pitchFamily="34" charset="0"/>
+                <a:cs typeface="Noto Sans CJK KR Regular" pitchFamily="34" charset="0"/>
+              </a:rPr>
+              <a:t>  </a:t>
+            </a:r>
+            <a:r>
+              <a:rPr lang="en-US" sz="1500" dirty="0">
+                <a:solidFill>
+                  <a:srgbClr val="3A4CA8"/>
+                </a:solidFill>
+                <a:latin typeface="Noto Sans CJK KR Regular" pitchFamily="34" charset="0"/>
+                <a:cs typeface="Noto Sans CJK KR Regular" pitchFamily="34" charset="0"/>
+              </a:rPr>
+              <a:t>#ifdef _WITH_THETA_PHI_CONES                                                                                                                    //스포트라이트 효과를 처리 ( PointLight에서 계산하지 않는다.) </a:t>
+            </a:r>
+          </a:p>
+          <a:p>
+            <a:r>
+              <a:rPr lang="en-US" sz="1500" dirty="0">
+                <a:solidFill>
+                  <a:srgbClr val="3A4CA8"/>
+                </a:solidFill>
+                <a:latin typeface="Noto Sans CJK KR Regular" pitchFamily="34" charset="0"/>
+                <a:cs typeface="Noto Sans CJK KR Regular" pitchFamily="34" charset="0"/>
+              </a:rPr>
+              <a:t>      float fAlpha = max(dot(-vToLight, gLights[nIndex].m_vDirection), 0.0f);</a:t>
+            </a:r>
+          </a:p>
+          <a:p>
+            <a:r>
+              <a:rPr lang="en-US" sz="1500" dirty="0">
+                <a:solidFill>
+                  <a:srgbClr val="3A4CA8"/>
+                </a:solidFill>
+                <a:latin typeface="Noto Sans CJK KR Regular" pitchFamily="34" charset="0"/>
+                <a:cs typeface="Noto Sans CJK KR Regular" pitchFamily="34" charset="0"/>
+              </a:rPr>
+              <a:t>      float fSpotFactor = pow(max(((fAlpha - gLights[nIndex].m_fPhi) / (gLights[nIndex].m_fTheta - gLights[nIndex].m_fPhi)), 0.0f), gLights[nIndex].m_fFalloff);</a:t>
+            </a:r>
+          </a:p>
+          <a:p>
+            <a:r>
+              <a:rPr lang="en-US" sz="1500" dirty="0">
+                <a:solidFill>
+                  <a:srgbClr val="3A4CA8"/>
+                </a:solidFill>
+                <a:latin typeface="Noto Sans CJK KR Regular" pitchFamily="34" charset="0"/>
+                <a:cs typeface="Noto Sans CJK KR Regular" pitchFamily="34" charset="0"/>
+              </a:rPr>
+              <a:t>  #else</a:t>
+            </a:r>
+          </a:p>
+          <a:p>
+            <a:r>
+              <a:rPr lang="en-US" sz="1500" dirty="0">
+                <a:solidFill>
+                  <a:srgbClr val="3A4CA8"/>
+                </a:solidFill>
+                <a:latin typeface="Noto Sans CJK KR Regular" pitchFamily="34" charset="0"/>
+                <a:cs typeface="Noto Sans CJK KR Regular" pitchFamily="34" charset="0"/>
+              </a:rPr>
+              <a:t>      float fSpotFactor = pow(max(dot(-vToLight, gLights[i].m_vDirection), 0.0f), gLights[i].m_fFalloff);</a:t>
+            </a:r>
+          </a:p>
+          <a:p>
+            <a:r>
+              <a:rPr lang="en-US" sz="1500" dirty="0">
+                <a:solidFill>
+                  <a:srgbClr val="3A4CA8"/>
+                </a:solidFill>
+                <a:latin typeface="Noto Sans CJK KR Regular" pitchFamily="34" charset="0"/>
+                <a:cs typeface="Noto Sans CJK KR Regular" pitchFamily="34" charset="0"/>
+              </a:rPr>
+              <a:t>  #endif</a:t>
+            </a:r>
+          </a:p>
+          <a:p>
+            <a:endParaRPr lang="en-US" sz="1500" dirty="0">
+              <a:solidFill>
+                <a:srgbClr val="3A4CA8"/>
+              </a:solidFill>
+              <a:latin typeface="Noto Sans CJK KR Regular" pitchFamily="34" charset="0"/>
+              <a:cs typeface="Noto Sans CJK KR Regular" pitchFamily="34" charset="0"/>
+            </a:endParaRPr>
+          </a:p>
+          <a:p>
+            <a:r>
+              <a:rPr lang="en-US" sz="1500" dirty="0">
+                <a:solidFill>
+                  <a:srgbClr val="000000"/>
+                </a:solidFill>
+                <a:latin typeface="Noto Sans CJK KR Regular" pitchFamily="34" charset="0"/>
+                <a:cs typeface="Noto Sans CJK KR Regular" pitchFamily="34" charset="0"/>
+              </a:rPr>
+              <a:t>      float fAttenuationFactor = 1.0f / dot(gLights[nIndex].m_vAttenuation, float3(1.0f, fDistance, fDistance*fDistance));           //조명, 재질 및 거리에 따라 픽셀의 색상을 계산</a:t>
+            </a:r>
+          </a:p>
+          <a:p>
+            <a:r>
+              <a:rPr lang="en-US" sz="1500" dirty="0">
+                <a:solidFill>
+                  <a:srgbClr val="000000"/>
+                </a:solidFill>
+                <a:latin typeface="Noto Sans CJK KR Regular" pitchFamily="34" charset="0"/>
+                <a:cs typeface="Noto Sans CJK KR Regular" pitchFamily="34" charset="0"/>
+              </a:rPr>
+              <a:t>      return(((gLights[nIndex].m_cAmbient * gMaterial.m_cAmbient) + (gLights[nIndex].m_cDiffuse * fDiffuseFactor * gMaterial.m_cDiffuse) +</a:t>
+            </a:r>
+          </a:p>
+          <a:p>
+            <a:r>
+              <a:rPr lang="en-US" sz="1500" dirty="0">
+                <a:solidFill>
+                  <a:srgbClr val="000000"/>
+                </a:solidFill>
+                <a:latin typeface="Noto Sans CJK KR Regular" pitchFamily="34" charset="0"/>
+                <a:cs typeface="Noto Sans CJK KR Regular" pitchFamily="34" charset="0"/>
+              </a:rPr>
+              <a:t>                                                                          (gLights[nIndex].m_cSpecular * fSpecularFactor *    gMaterial.m_cSpecular)) * fAttenuationFactor * fSpotFactor);  </a:t>
+            </a:r>
+          </a:p>
+          <a:p>
+            <a:r>
+              <a:rPr lang="en-US" sz="1500" dirty="0">
+                <a:solidFill>
+                  <a:srgbClr val="000000"/>
+                </a:solidFill>
+                <a:latin typeface="Noto Sans CJK KR Regular" pitchFamily="34" charset="0"/>
+                <a:cs typeface="Noto Sans CJK KR Regular" pitchFamily="34" charset="0"/>
+              </a:rPr>
+              <a:t>  }</a:t>
+            </a:r>
+          </a:p>
+          <a:p>
+            <a:r>
+              <a:rPr lang="en-US" sz="1500" dirty="0">
+                <a:solidFill>
+                  <a:srgbClr val="000000"/>
+                </a:solidFill>
+                <a:latin typeface="Noto Sans CJK KR Regular" pitchFamily="34" charset="0"/>
+                <a:cs typeface="Noto Sans CJK KR Regular" pitchFamily="34" charset="0"/>
+              </a:rPr>
+              <a:t>   return(float4(0.0f, 0.0f, 0.0f, 0.0f));}</a:t>
+            </a:r>
+          </a:p>
+        </p:txBody>
+      </p:sp>
+      <p:sp>
+        <p:nvSpPr>
+          <p:cNvPr id="2" name="Object 2">
+            <a:extLst>
+              <a:ext uri="{FF2B5EF4-FFF2-40B4-BE49-F238E27FC236}">
+                <a16:creationId xmlns:a16="http://schemas.microsoft.com/office/drawing/2014/main" id="{7D3FA926-CFC2-6667-7B4C-C874221CA1F5}"/>
+              </a:ext>
+            </a:extLst>
+          </p:cNvPr>
+          <p:cNvSpPr txBox="1"/>
+          <p:nvPr/>
+        </p:nvSpPr>
+        <p:spPr>
+          <a:xfrm>
+            <a:off x="-914400" y="53009"/>
+            <a:ext cx="4572000" cy="769441"/>
+          </a:xfrm>
+          <a:prstGeom prst="rect">
+            <a:avLst/>
+          </a:prstGeom>
+          <a:noFill/>
+        </p:spPr>
+        <p:txBody>
+          <a:bodyPr wrap="square" rtlCol="0" anchor="t">
+            <a:spAutoFit/>
+          </a:bodyPr>
+          <a:lstStyle/>
+          <a:p>
+            <a:pPr algn="ctr"/>
+            <a:r>
+              <a:rPr lang="ko-KR" altLang="en-US" sz="4400" dirty="0">
+                <a:solidFill>
+                  <a:srgbClr val="000000"/>
+                </a:solidFill>
+                <a:latin typeface="Noto Sans CJK KR Regular" pitchFamily="34" charset="0"/>
+                <a:cs typeface="Noto Sans CJK KR Regular" pitchFamily="34" charset="0"/>
+              </a:rPr>
+              <a:t>조명 계산</a:t>
+            </a:r>
+            <a:endParaRPr lang="en-US" sz="4400" dirty="0"/>
+          </a:p>
+        </p:txBody>
+      </p:sp>
       <p:grpSp>
         <p:nvGrpSpPr>
           <p:cNvPr id="1001" name="그룹 1001"/>
@@ -5443,7 +5994,7 @@
         </p:nvGrpSpPr>
         <p:grpSpPr>
           <a:xfrm>
-            <a:off x="11402268" y="2267948"/>
+            <a:off x="11252154" y="1638300"/>
             <a:ext cx="6883446" cy="4338194"/>
             <a:chOff x="11402268" y="2267948"/>
             <a:chExt cx="6883446" cy="4338194"/>
@@ -5471,560 +6022,14 @@
             <a:prstGeom prst="rect">
               <a:avLst/>
             </a:prstGeom>
+            <a:ln>
+              <a:solidFill>
+                <a:schemeClr val="accent1"/>
+              </a:solidFill>
+            </a:ln>
           </p:spPr>
         </p:pic>
       </p:grpSp>
-      <p:sp>
-        <p:nvSpPr>
-          <p:cNvPr id="5" name="Object 5"/>
-          <p:cNvSpPr txBox="1"/>
-          <p:nvPr/>
-        </p:nvSpPr>
-        <p:spPr>
-          <a:xfrm>
-            <a:off x="152400" y="730538"/>
-            <a:ext cx="13182600" cy="9556462"/>
-          </a:xfrm>
-          <a:prstGeom prst="rect">
-            <a:avLst/>
-          </a:prstGeom>
-        </p:spPr>
-        <p:style>
-          <a:lnRef idx="2">
-            <a:schemeClr val="accent5"/>
-          </a:lnRef>
-          <a:fillRef idx="1">
-            <a:schemeClr val="lt1"/>
-          </a:fillRef>
-          <a:effectRef idx="0">
-            <a:schemeClr val="accent5"/>
-          </a:effectRef>
-          <a:fontRef idx="minor">
-            <a:schemeClr val="dk1"/>
-          </a:fontRef>
-        </p:style>
-        <p:txBody>
-          <a:bodyPr wrap="square" rtlCol="0" anchor="t">
-            <a:spAutoFit/>
-          </a:bodyPr>
-          <a:lstStyle/>
-          <a:p>
-            <a:r>
-              <a:rPr lang="en-US" sz="1500" dirty="0">
-                <a:solidFill>
-                  <a:srgbClr val="000000"/>
-                </a:solidFill>
-                <a:latin typeface="Noto Sans CJK KR Regular" pitchFamily="34" charset="0"/>
-                <a:cs typeface="Noto Sans CJK KR Regular" pitchFamily="34" charset="0"/>
-              </a:rPr>
-              <a:t>float4 SpotLight(int nIndex, float3 vPosition, float3 vNormal, float3 vToCamera)</a:t>
-            </a:r>
-          </a:p>
-          <a:p>
-            <a:r>
-              <a:rPr lang="en-US" sz="1500" dirty="0">
-                <a:solidFill>
-                  <a:srgbClr val="000000"/>
-                </a:solidFill>
-                <a:latin typeface="Noto Sans CJK KR Regular" pitchFamily="34" charset="0"/>
-                <a:cs typeface="Noto Sans CJK KR Regular" pitchFamily="34" charset="0"/>
-              </a:rPr>
-              <a:t>{</a:t>
-            </a:r>
-          </a:p>
-          <a:p>
-            <a:r>
-              <a:rPr lang="en-US" sz="1500" dirty="0">
-                <a:solidFill>
-                  <a:srgbClr val="000000"/>
-                </a:solidFill>
-                <a:latin typeface="Noto Sans CJK KR Regular" pitchFamily="34" charset="0"/>
-                <a:cs typeface="Noto Sans CJK KR Regular" pitchFamily="34" charset="0"/>
-              </a:rPr>
-              <a:t>   float3 vToLight = gLights[nIndex].m_vPosition - vPosition;                                                                       // 방향백터 계산</a:t>
-            </a:r>
-          </a:p>
-          <a:p>
-            <a:r>
-              <a:rPr lang="en-US" sz="1500" dirty="0">
-                <a:solidFill>
-                  <a:srgbClr val="000000"/>
-                </a:solidFill>
-                <a:latin typeface="Noto Sans CJK KR Regular" pitchFamily="34" charset="0"/>
-                <a:cs typeface="Noto Sans CJK KR Regular" pitchFamily="34" charset="0"/>
-              </a:rPr>
-              <a:t>   float fDistance = length(vToLight);                                                                                                               //물체와 조명의 거리 </a:t>
-            </a:r>
-          </a:p>
-          <a:p>
-            <a:r>
-              <a:rPr lang="en-US" sz="1500" dirty="0">
-                <a:solidFill>
-                  <a:srgbClr val="000000"/>
-                </a:solidFill>
-                <a:latin typeface="Noto Sans CJK KR Regular" pitchFamily="34" charset="0"/>
-                <a:cs typeface="Noto Sans CJK KR Regular" pitchFamily="34" charset="0"/>
-              </a:rPr>
-              <a:t>   if (fDistance &lt;= gLights[nIndex].m_fRange)                                                                                                 </a:t>
-            </a:r>
-          </a:p>
-          <a:p>
-            <a:r>
-              <a:rPr lang="en-US" sz="1500" dirty="0">
-                <a:solidFill>
-                  <a:srgbClr val="000000"/>
-                </a:solidFill>
-                <a:latin typeface="Noto Sans CJK KR Regular" pitchFamily="34" charset="0"/>
-                <a:cs typeface="Noto Sans CJK KR Regular" pitchFamily="34" charset="0"/>
-              </a:rPr>
-              <a:t>   {</a:t>
-            </a:r>
-          </a:p>
-          <a:p>
-            <a:r>
-              <a:rPr lang="en-US" sz="1500" dirty="0">
-                <a:solidFill>
-                  <a:srgbClr val="000000"/>
-                </a:solidFill>
-                <a:latin typeface="Noto Sans CJK KR Regular" pitchFamily="34" charset="0"/>
-                <a:cs typeface="Noto Sans CJK KR Regular" pitchFamily="34" charset="0"/>
-              </a:rPr>
-              <a:t>      float fSpecularFactor = 0.0f;</a:t>
-            </a:r>
-          </a:p>
-          <a:p>
-            <a:r>
-              <a:rPr lang="en-US" sz="1500" dirty="0">
-                <a:solidFill>
-                  <a:srgbClr val="000000"/>
-                </a:solidFill>
-                <a:latin typeface="Noto Sans CJK KR Regular" pitchFamily="34" charset="0"/>
-                <a:cs typeface="Noto Sans CJK KR Regular" pitchFamily="34" charset="0"/>
-              </a:rPr>
-              <a:t>      vToLight /= fDistance; </a:t>
-            </a:r>
-          </a:p>
-          <a:p>
-            <a:r>
-              <a:rPr lang="en-US" sz="1500" dirty="0">
-                <a:solidFill>
-                  <a:srgbClr val="000000"/>
-                </a:solidFill>
-                <a:latin typeface="Noto Sans CJK KR Regular" pitchFamily="34" charset="0"/>
-                <a:cs typeface="Noto Sans CJK KR Regular" pitchFamily="34" charset="0"/>
-              </a:rPr>
-              <a:t>      float fDiffuseFactor = dot(vToLight, vNormal);</a:t>
-            </a:r>
-          </a:p>
-          <a:p>
-            <a:r>
-              <a:rPr lang="en-US" sz="1500" dirty="0">
-                <a:solidFill>
-                  <a:srgbClr val="000000"/>
-                </a:solidFill>
-                <a:latin typeface="Noto Sans CJK KR Regular" pitchFamily="34" charset="0"/>
-                <a:cs typeface="Noto Sans CJK KR Regular" pitchFamily="34" charset="0"/>
-              </a:rPr>
-              <a:t>      if (fDiffuseFactor &gt; 0.0f)</a:t>
-            </a:r>
-          </a:p>
-          <a:p>
-            <a:r>
-              <a:rPr lang="en-US" sz="1500" dirty="0">
-                <a:solidFill>
-                  <a:srgbClr val="000000"/>
-                </a:solidFill>
-                <a:latin typeface="Noto Sans CJK KR Regular" pitchFamily="34" charset="0"/>
-                <a:cs typeface="Noto Sans CJK KR Regular" pitchFamily="34" charset="0"/>
-              </a:rPr>
-              <a:t>      {</a:t>
-            </a:r>
-          </a:p>
-          <a:p>
-            <a:r>
-              <a:rPr lang="en-US" sz="1500" dirty="0">
-                <a:solidFill>
-                  <a:srgbClr val="000000"/>
-                </a:solidFill>
-                <a:latin typeface="Noto Sans CJK KR Regular" pitchFamily="34" charset="0"/>
-                <a:cs typeface="Noto Sans CJK KR Regular" pitchFamily="34" charset="0"/>
-              </a:rPr>
-              <a:t>         if (gMaterial.m_cSpecular.a != 0.0f)</a:t>
-            </a:r>
-          </a:p>
-          <a:p>
-            <a:r>
-              <a:rPr lang="en-US" sz="1500" dirty="0">
-                <a:solidFill>
-                  <a:srgbClr val="000000"/>
-                </a:solidFill>
-                <a:latin typeface="Noto Sans CJK KR Regular" pitchFamily="34" charset="0"/>
-                <a:cs typeface="Noto Sans CJK KR Regular" pitchFamily="34" charset="0"/>
-              </a:rPr>
-              <a:t>         {</a:t>
-            </a:r>
-          </a:p>
-          <a:p>
-            <a:r>
-              <a:rPr lang="en-US" sz="1500" dirty="0">
-                <a:solidFill>
-                  <a:srgbClr val="000000"/>
-                </a:solidFill>
-                <a:latin typeface="Noto Sans CJK KR Regular" pitchFamily="34" charset="0"/>
-                <a:cs typeface="Noto Sans CJK KR Regular" pitchFamily="34" charset="0"/>
-              </a:rPr>
-              <a:t>  #ifdef _WITH_REFLECT                                                                                                                                    //스페큘러 효과를 계산</a:t>
-            </a:r>
-          </a:p>
-          <a:p>
-            <a:r>
-              <a:rPr lang="en-US" sz="1500" dirty="0">
-                <a:solidFill>
-                  <a:srgbClr val="000000"/>
-                </a:solidFill>
-                <a:latin typeface="Noto Sans CJK KR Regular" pitchFamily="34" charset="0"/>
-                <a:cs typeface="Noto Sans CJK KR Regular" pitchFamily="34" charset="0"/>
-              </a:rPr>
-              <a:t>            float3 vReflect = reflect(-vToLight, vNormal);</a:t>
-            </a:r>
-          </a:p>
-          <a:p>
-            <a:r>
-              <a:rPr lang="en-US" sz="1500" dirty="0">
-                <a:solidFill>
-                  <a:srgbClr val="000000"/>
-                </a:solidFill>
-                <a:latin typeface="Noto Sans CJK KR Regular" pitchFamily="34" charset="0"/>
-                <a:cs typeface="Noto Sans CJK KR Regular" pitchFamily="34" charset="0"/>
-              </a:rPr>
-              <a:t>            fSpecularFactor = pow(max(dot(vReflect, vToCamera), 0.0f), gMaterial.m_cSpecular.a);</a:t>
-            </a:r>
-          </a:p>
-          <a:p>
-            <a:r>
-              <a:rPr lang="en-US" sz="1500" dirty="0">
-                <a:solidFill>
-                  <a:srgbClr val="000000"/>
-                </a:solidFill>
-                <a:latin typeface="Noto Sans CJK KR Regular" pitchFamily="34" charset="0"/>
-                <a:cs typeface="Noto Sans CJK KR Regular" pitchFamily="34" charset="0"/>
-              </a:rPr>
-              <a:t>  #else</a:t>
-            </a:r>
-          </a:p>
-          <a:p>
-            <a:r>
-              <a:rPr lang="en-US" sz="1500" dirty="0">
-                <a:solidFill>
-                  <a:srgbClr val="000000"/>
-                </a:solidFill>
-                <a:latin typeface="Noto Sans CJK KR Regular" pitchFamily="34" charset="0"/>
-                <a:cs typeface="Noto Sans CJK KR Regular" pitchFamily="34" charset="0"/>
-              </a:rPr>
-              <a:t>  #ifdef _WITH_LOCAL_VIEWER_HIGHLIGHTING</a:t>
-            </a:r>
-          </a:p>
-          <a:p>
-            <a:r>
-              <a:rPr lang="en-US" sz="1500" dirty="0">
-                <a:solidFill>
-                  <a:srgbClr val="000000"/>
-                </a:solidFill>
-                <a:latin typeface="Noto Sans CJK KR Regular" pitchFamily="34" charset="0"/>
-                <a:cs typeface="Noto Sans CJK KR Regular" pitchFamily="34" charset="0"/>
-              </a:rPr>
-              <a:t>            float3 vHalf = normalize(vToCamera + vToLight);</a:t>
-            </a:r>
-          </a:p>
-          <a:p>
-            <a:r>
-              <a:rPr lang="en-US" sz="1500" dirty="0">
-                <a:solidFill>
-                  <a:srgbClr val="000000"/>
-                </a:solidFill>
-                <a:latin typeface="Noto Sans CJK KR Regular" pitchFamily="34" charset="0"/>
-                <a:cs typeface="Noto Sans CJK KR Regular" pitchFamily="34" charset="0"/>
-              </a:rPr>
-              <a:t>  #else</a:t>
-            </a:r>
-          </a:p>
-          <a:p>
-            <a:r>
-              <a:rPr lang="en-US" sz="1500" dirty="0">
-                <a:solidFill>
-                  <a:srgbClr val="000000"/>
-                </a:solidFill>
-                <a:latin typeface="Noto Sans CJK KR Regular" pitchFamily="34" charset="0"/>
-                <a:cs typeface="Noto Sans CJK KR Regular" pitchFamily="34" charset="0"/>
-              </a:rPr>
-              <a:t>           float3 vHalf = float3(0.0f, 1.0f, 0.0f);</a:t>
-            </a:r>
-          </a:p>
-          <a:p>
-            <a:r>
-              <a:rPr lang="en-US" sz="1500" dirty="0">
-                <a:solidFill>
-                  <a:srgbClr val="000000"/>
-                </a:solidFill>
-                <a:latin typeface="Noto Sans CJK KR Regular" pitchFamily="34" charset="0"/>
-                <a:cs typeface="Noto Sans CJK KR Regular" pitchFamily="34" charset="0"/>
-              </a:rPr>
-              <a:t>  #endif</a:t>
-            </a:r>
-          </a:p>
-          <a:p>
-            <a:r>
-              <a:rPr lang="en-US" sz="1500" dirty="0">
-                <a:solidFill>
-                  <a:srgbClr val="000000"/>
-                </a:solidFill>
-                <a:latin typeface="Noto Sans CJK KR Regular" pitchFamily="34" charset="0"/>
-                <a:cs typeface="Noto Sans CJK KR Regular" pitchFamily="34" charset="0"/>
-              </a:rPr>
-              <a:t>           fSpecularFactor = pow(max(dot(vHalf, vNormal), 0.0f), gMaterial.m_cSpecular.a);</a:t>
-            </a:r>
-          </a:p>
-          <a:p>
-            <a:r>
-              <a:rPr lang="en-US" sz="1500" dirty="0">
-                <a:solidFill>
-                  <a:srgbClr val="000000"/>
-                </a:solidFill>
-                <a:latin typeface="Noto Sans CJK KR Regular" pitchFamily="34" charset="0"/>
-                <a:cs typeface="Noto Sans CJK KR Regular" pitchFamily="34" charset="0"/>
-              </a:rPr>
-              <a:t>  #endif                                               </a:t>
-            </a:r>
-          </a:p>
-          <a:p>
-            <a:r>
-              <a:rPr lang="en-US" sz="1500" dirty="0">
-                <a:solidFill>
-                  <a:srgbClr val="000000"/>
-                </a:solidFill>
-                <a:latin typeface="Noto Sans CJK KR Regular" pitchFamily="34" charset="0"/>
-                <a:cs typeface="Noto Sans CJK KR Regular" pitchFamily="34" charset="0"/>
-              </a:rPr>
-              <a:t>         }</a:t>
-            </a:r>
-          </a:p>
-          <a:p>
-            <a:r>
-              <a:rPr lang="en-US" sz="1500" dirty="0">
-                <a:solidFill>
-                  <a:srgbClr val="000000"/>
-                </a:solidFill>
-                <a:latin typeface="Noto Sans CJK KR Regular" pitchFamily="34" charset="0"/>
-                <a:cs typeface="Noto Sans CJK KR Regular" pitchFamily="34" charset="0"/>
-              </a:rPr>
-              <a:t>     }</a:t>
-            </a:r>
-          </a:p>
-          <a:p>
-            <a:endParaRPr lang="en-US" sz="1500" dirty="0">
-              <a:solidFill>
-                <a:srgbClr val="000000"/>
-              </a:solidFill>
-              <a:latin typeface="Noto Sans CJK KR Regular" pitchFamily="34" charset="0"/>
-              <a:cs typeface="Noto Sans CJK KR Regular" pitchFamily="34" charset="0"/>
-            </a:endParaRPr>
-          </a:p>
-          <a:p>
-            <a:r>
-              <a:rPr lang="en-US" sz="1500" dirty="0">
-                <a:solidFill>
-                  <a:srgbClr val="5D6DBE"/>
-                </a:solidFill>
-                <a:latin typeface="Noto Sans CJK KR Regular" pitchFamily="34" charset="0"/>
-                <a:cs typeface="Noto Sans CJK KR Regular" pitchFamily="34" charset="0"/>
-              </a:rPr>
-              <a:t>  </a:t>
-            </a:r>
-            <a:r>
-              <a:rPr lang="en-US" sz="1500" dirty="0">
-                <a:solidFill>
-                  <a:srgbClr val="3A4CA8"/>
-                </a:solidFill>
-                <a:latin typeface="Noto Sans CJK KR Regular" pitchFamily="34" charset="0"/>
-                <a:cs typeface="Noto Sans CJK KR Regular" pitchFamily="34" charset="0"/>
-              </a:rPr>
-              <a:t>#ifdef _WITH_THETA_PHI_CONES                                                                                                                    //스포트라이트 효과를 처리 ( PointLight에서 계산하지 않는다.) </a:t>
-            </a:r>
-          </a:p>
-          <a:p>
-            <a:r>
-              <a:rPr lang="en-US" sz="1500" dirty="0">
-                <a:solidFill>
-                  <a:srgbClr val="3A4CA8"/>
-                </a:solidFill>
-                <a:latin typeface="Noto Sans CJK KR Regular" pitchFamily="34" charset="0"/>
-                <a:cs typeface="Noto Sans CJK KR Regular" pitchFamily="34" charset="0"/>
-              </a:rPr>
-              <a:t>      float fAlpha = max(dot(-vToLight, gLights[nIndex].m_vDirection), 0.0f);</a:t>
-            </a:r>
-          </a:p>
-          <a:p>
-            <a:r>
-              <a:rPr lang="en-US" sz="1500" dirty="0">
-                <a:solidFill>
-                  <a:srgbClr val="3A4CA8"/>
-                </a:solidFill>
-                <a:latin typeface="Noto Sans CJK KR Regular" pitchFamily="34" charset="0"/>
-                <a:cs typeface="Noto Sans CJK KR Regular" pitchFamily="34" charset="0"/>
-              </a:rPr>
-              <a:t>      float fSpotFactor = pow(max(((fAlpha - gLights[nIndex].m_fPhi) / (gLights[nIndex].m_fTheta - gLights[nIndex].m_fPhi)), 0.0f), gLights[nIndex].m_fFalloff);</a:t>
-            </a:r>
-          </a:p>
-          <a:p>
-            <a:r>
-              <a:rPr lang="en-US" sz="1500" dirty="0">
-                <a:solidFill>
-                  <a:srgbClr val="3A4CA8"/>
-                </a:solidFill>
-                <a:latin typeface="Noto Sans CJK KR Regular" pitchFamily="34" charset="0"/>
-                <a:cs typeface="Noto Sans CJK KR Regular" pitchFamily="34" charset="0"/>
-              </a:rPr>
-              <a:t>  #else</a:t>
-            </a:r>
-          </a:p>
-          <a:p>
-            <a:r>
-              <a:rPr lang="en-US" sz="1500" dirty="0">
-                <a:solidFill>
-                  <a:srgbClr val="3A4CA8"/>
-                </a:solidFill>
-                <a:latin typeface="Noto Sans CJK KR Regular" pitchFamily="34" charset="0"/>
-                <a:cs typeface="Noto Sans CJK KR Regular" pitchFamily="34" charset="0"/>
-              </a:rPr>
-              <a:t>      float fSpotFactor = pow(max(dot(-vToLight, gLights[i].m_vDirection), 0.0f), gLights[i].m_fFalloff);</a:t>
-            </a:r>
-          </a:p>
-          <a:p>
-            <a:r>
-              <a:rPr lang="en-US" sz="1500" dirty="0">
-                <a:solidFill>
-                  <a:srgbClr val="3A4CA8"/>
-                </a:solidFill>
-                <a:latin typeface="Noto Sans CJK KR Regular" pitchFamily="34" charset="0"/>
-                <a:cs typeface="Noto Sans CJK KR Regular" pitchFamily="34" charset="0"/>
-              </a:rPr>
-              <a:t>  #endif</a:t>
-            </a:r>
-          </a:p>
-          <a:p>
-            <a:endParaRPr lang="en-US" sz="1500" dirty="0">
-              <a:solidFill>
-                <a:srgbClr val="3A4CA8"/>
-              </a:solidFill>
-              <a:latin typeface="Noto Sans CJK KR Regular" pitchFamily="34" charset="0"/>
-              <a:cs typeface="Noto Sans CJK KR Regular" pitchFamily="34" charset="0"/>
-            </a:endParaRPr>
-          </a:p>
-          <a:p>
-            <a:r>
-              <a:rPr lang="en-US" sz="1500" dirty="0">
-                <a:solidFill>
-                  <a:srgbClr val="000000"/>
-                </a:solidFill>
-                <a:latin typeface="Noto Sans CJK KR Regular" pitchFamily="34" charset="0"/>
-                <a:cs typeface="Noto Sans CJK KR Regular" pitchFamily="34" charset="0"/>
-              </a:rPr>
-              <a:t>      float fAttenuationFactor = 1.0f / dot(gLights[nIndex].m_vAttenuation, float3(1.0f, fDistance, fDistance*fDistance));           //조명, 재질 및 거리에 따라 픽셀의 색상을 계산</a:t>
-            </a:r>
-          </a:p>
-          <a:p>
-            <a:r>
-              <a:rPr lang="en-US" sz="1500" dirty="0">
-                <a:solidFill>
-                  <a:srgbClr val="000000"/>
-                </a:solidFill>
-                <a:latin typeface="Noto Sans CJK KR Regular" pitchFamily="34" charset="0"/>
-                <a:cs typeface="Noto Sans CJK KR Regular" pitchFamily="34" charset="0"/>
-              </a:rPr>
-              <a:t>      return(((gLights[nIndex].m_cAmbient * gMaterial.m_cAmbient) + (gLights[nIndex].m_cDiffuse * fDiffuseFactor * gMaterial.m_cDiffuse) +</a:t>
-            </a:r>
-          </a:p>
-          <a:p>
-            <a:r>
-              <a:rPr lang="en-US" sz="1500" dirty="0">
-                <a:solidFill>
-                  <a:srgbClr val="000000"/>
-                </a:solidFill>
-                <a:latin typeface="Noto Sans CJK KR Regular" pitchFamily="34" charset="0"/>
-                <a:cs typeface="Noto Sans CJK KR Regular" pitchFamily="34" charset="0"/>
-              </a:rPr>
-              <a:t>                                                                          (gLights[nIndex].m_cSpecular * fSpecularFactor *    gMaterial.m_cSpecular)) * fAttenuationFactor * fSpotFactor);  </a:t>
-            </a:r>
-          </a:p>
-          <a:p>
-            <a:r>
-              <a:rPr lang="en-US" sz="1500" dirty="0">
-                <a:solidFill>
-                  <a:srgbClr val="000000"/>
-                </a:solidFill>
-                <a:latin typeface="Noto Sans CJK KR Regular" pitchFamily="34" charset="0"/>
-                <a:cs typeface="Noto Sans CJK KR Regular" pitchFamily="34" charset="0"/>
-              </a:rPr>
-              <a:t>  }</a:t>
-            </a:r>
-          </a:p>
-          <a:p>
-            <a:r>
-              <a:rPr lang="en-US" sz="1500" dirty="0">
-                <a:solidFill>
-                  <a:srgbClr val="000000"/>
-                </a:solidFill>
-                <a:latin typeface="Noto Sans CJK KR Regular" pitchFamily="34" charset="0"/>
-                <a:cs typeface="Noto Sans CJK KR Regular" pitchFamily="34" charset="0"/>
-              </a:rPr>
-              <a:t>   return(float4(0.0f, 0.0f, 0.0f, 0.0f));}</a:t>
-            </a:r>
-          </a:p>
-        </p:txBody>
-      </p:sp>
-      <p:sp>
-        <p:nvSpPr>
-          <p:cNvPr id="2" name="Object 2">
-            <a:extLst>
-              <a:ext uri="{FF2B5EF4-FFF2-40B4-BE49-F238E27FC236}">
-                <a16:creationId xmlns:a16="http://schemas.microsoft.com/office/drawing/2014/main" id="{7D3FA926-CFC2-6667-7B4C-C874221CA1F5}"/>
-              </a:ext>
-            </a:extLst>
-          </p:cNvPr>
-          <p:cNvSpPr txBox="1"/>
-          <p:nvPr/>
-        </p:nvSpPr>
-        <p:spPr>
-          <a:xfrm>
-            <a:off x="-914400" y="53009"/>
-            <a:ext cx="4572000" cy="769441"/>
-          </a:xfrm>
-          <a:prstGeom prst="rect">
-            <a:avLst/>
-          </a:prstGeom>
-          <a:noFill/>
-        </p:spPr>
-        <p:txBody>
-          <a:bodyPr wrap="square" rtlCol="0" anchor="t">
-            <a:spAutoFit/>
-          </a:bodyPr>
-          <a:lstStyle/>
-          <a:p>
-            <a:pPr algn="ctr"/>
-            <a:r>
-              <a:rPr lang="ko-KR" altLang="en-US" sz="4400" dirty="0">
-                <a:solidFill>
-                  <a:srgbClr val="000000"/>
-                </a:solidFill>
-                <a:latin typeface="Noto Sans CJK KR Regular" pitchFamily="34" charset="0"/>
-                <a:cs typeface="Noto Sans CJK KR Regular" pitchFamily="34" charset="0"/>
-              </a:rPr>
-              <a:t>조명 계산</a:t>
-            </a:r>
-            <a:endParaRPr lang="en-US" sz="4400" dirty="0"/>
-          </a:p>
-        </p:txBody>
-      </p:sp>
     </p:spTree>
   </p:cSld>
   <p:clrMapOvr>
@@ -6228,8 +6233,8 @@
         </p:nvSpPr>
         <p:spPr>
           <a:xfrm>
-            <a:off x="829036" y="8449143"/>
-            <a:ext cx="9457079" cy="1723671"/>
+            <a:off x="829037" y="8449143"/>
+            <a:ext cx="6429538" cy="923330"/>
           </a:xfrm>
           <a:prstGeom prst="rect">
             <a:avLst/>
@@ -6798,8 +6803,8 @@
         </p:nvSpPr>
         <p:spPr>
           <a:xfrm>
-            <a:off x="829036" y="4854343"/>
-            <a:ext cx="9828508" cy="6694975"/>
+            <a:off x="819519" y="5922293"/>
+            <a:ext cx="7455409" cy="3139321"/>
           </a:xfrm>
           <a:prstGeom prst="rect">
             <a:avLst/>
@@ -7256,7 +7261,7 @@
         <p:spPr>
           <a:xfrm>
             <a:off x="870139" y="4270733"/>
-            <a:ext cx="13780506" cy="5452134"/>
+            <a:ext cx="7969061" cy="2585323"/>
           </a:xfrm>
           <a:prstGeom prst="rect">
             <a:avLst/>
@@ -7325,10 +7330,18 @@
                 <a:latin typeface="Caviar Dreams" pitchFamily="34" charset="0"/>
                 <a:cs typeface="Caviar Dreams" pitchFamily="34" charset="0"/>
               </a:rPr>
-              <a:t>프로그램 내용: 인터넷 검색시 느낀 불편함을 해소하는 도움을 기반으로 파이썬 기능들을 </a:t>
-            </a:r>
-          </a:p>
-          <a:p>
+              <a:t>프로그램 내용: 인터넷 검색시 느낀 불편함을 해소하는 도움을 기반으로 파이썬 </a:t>
+            </a:r>
+            <a:r>
+              <a:rPr lang="en-US" sz="1800" dirty="0" err="1">
+                <a:solidFill>
+                  <a:srgbClr val="595959"/>
+                </a:solidFill>
+                <a:latin typeface="Caviar Dreams" pitchFamily="34" charset="0"/>
+                <a:cs typeface="Caviar Dreams" pitchFamily="34" charset="0"/>
+              </a:rPr>
+              <a:t>기능들을</a:t>
+            </a:r>
             <a:r>
               <a:rPr lang="en-US" sz="1800" dirty="0">
                 <a:solidFill>
@@ -7337,7 +7350,27 @@
                 <a:latin typeface="Caviar Dreams" pitchFamily="34" charset="0"/>
                 <a:cs typeface="Caviar Dreams" pitchFamily="34" charset="0"/>
               </a:rPr>
-              <a:t>구현해본 프로그램 </a:t>
+              <a:t>  </a:t>
+            </a:r>
+            <a:r>
+              <a:rPr lang="en-US" sz="1800" dirty="0" err="1">
+                <a:solidFill>
+                  <a:srgbClr val="595959"/>
+                </a:solidFill>
+                <a:latin typeface="Caviar Dreams" pitchFamily="34" charset="0"/>
+                <a:cs typeface="Caviar Dreams" pitchFamily="34" charset="0"/>
+              </a:rPr>
+              <a:t>구현해본</a:t>
+            </a:r>
+            <a:r>
+              <a:rPr lang="en-US" sz="1800" dirty="0">
+                <a:solidFill>
+                  <a:srgbClr val="595959"/>
+                </a:solidFill>
+                <a:latin typeface="Caviar Dreams" pitchFamily="34" charset="0"/>
+                <a:cs typeface="Caviar Dreams" pitchFamily="34" charset="0"/>
+              </a:rPr>
+              <a:t> 프로그램 </a:t>
             </a:r>
           </a:p>
           <a:p>

--- a/포트폴리오/최유진 포트폴리오2.pptx
+++ b/포트폴리오/최유진 포트폴리오2.pptx
@@ -216,7 +216,7 @@
           <a:p>
             <a:fld id="{C90D772B-A8CD-4CD7-A254-1E3BC05E782D}" type="datetimeFigureOut">
               <a:rPr lang="ko-KR" altLang="en-US" smtClean="0"/>
-              <a:t>2023-09-19</a:t>
+              <a:t>2023-10-17</a:t>
             </a:fld>
             <a:endParaRPr lang="ko-KR" altLang="en-US"/>
           </a:p>
@@ -746,7 +746,7 @@
           <a:p>
             <a:fld id="{F8166F1F-CE9B-4651-A6AA-CD717754106B}" type="datetimeFigureOut">
               <a:rPr lang="en-US" smtClean="0"/>
-              <a:t>9/19/2023</a:t>
+              <a:t>10/17/2023</a:t>
             </a:fld>
             <a:endParaRPr lang="en-US"/>
           </a:p>
@@ -909,7 +909,7 @@
           <a:p>
             <a:fld id="{A76116CE-C4A3-4A05-B2D7-7C2E9A889C0F}" type="datetimeFigureOut">
               <a:rPr lang="en-US" smtClean="0"/>
-              <a:t>9/19/2023</a:t>
+              <a:t>10/17/2023</a:t>
             </a:fld>
             <a:endParaRPr lang="en-US"/>
           </a:p>
@@ -1082,7 +1082,7 @@
           <a:p>
             <a:fld id="{A76116CE-C4A3-4A05-B2D7-7C2E9A889C0F}" type="datetimeFigureOut">
               <a:rPr lang="en-US" smtClean="0"/>
-              <a:t>9/19/2023</a:t>
+              <a:t>10/17/2023</a:t>
             </a:fld>
             <a:endParaRPr lang="en-US"/>
           </a:p>
@@ -1247,7 +1247,7 @@
           <a:p>
             <a:fld id="{A76116CE-C4A3-4A05-B2D7-7C2E9A889C0F}" type="datetimeFigureOut">
               <a:rPr lang="en-US" smtClean="0"/>
-              <a:t>9/19/2023</a:t>
+              <a:t>10/17/2023</a:t>
             </a:fld>
             <a:endParaRPr lang="en-US"/>
           </a:p>
@@ -1487,7 +1487,7 @@
           <a:p>
             <a:fld id="{A76116CE-C4A3-4A05-B2D7-7C2E9A889C0F}" type="datetimeFigureOut">
               <a:rPr lang="en-US" smtClean="0"/>
-              <a:t>9/19/2023</a:t>
+              <a:t>10/17/2023</a:t>
             </a:fld>
             <a:endParaRPr lang="en-US"/>
           </a:p>
@@ -1767,7 +1767,7 @@
           <a:p>
             <a:fld id="{A76116CE-C4A3-4A05-B2D7-7C2E9A889C0F}" type="datetimeFigureOut">
               <a:rPr lang="en-US" smtClean="0"/>
-              <a:t>9/19/2023</a:t>
+              <a:t>10/17/2023</a:t>
             </a:fld>
             <a:endParaRPr lang="en-US"/>
           </a:p>
@@ -2181,7 +2181,7 @@
           <a:p>
             <a:fld id="{A76116CE-C4A3-4A05-B2D7-7C2E9A889C0F}" type="datetimeFigureOut">
               <a:rPr lang="en-US" smtClean="0"/>
-              <a:t>9/19/2023</a:t>
+              <a:t>10/17/2023</a:t>
             </a:fld>
             <a:endParaRPr lang="en-US"/>
           </a:p>
@@ -2293,7 +2293,7 @@
           <a:p>
             <a:fld id="{A76116CE-C4A3-4A05-B2D7-7C2E9A889C0F}" type="datetimeFigureOut">
               <a:rPr lang="en-US" smtClean="0"/>
-              <a:t>9/19/2023</a:t>
+              <a:t>10/17/2023</a:t>
             </a:fld>
             <a:endParaRPr lang="en-US"/>
           </a:p>
@@ -2383,7 +2383,7 @@
           <a:p>
             <a:fld id="{A76116CE-C4A3-4A05-B2D7-7C2E9A889C0F}" type="datetimeFigureOut">
               <a:rPr lang="en-US" smtClean="0"/>
-              <a:t>9/19/2023</a:t>
+              <a:t>10/17/2023</a:t>
             </a:fld>
             <a:endParaRPr lang="en-US"/>
           </a:p>
@@ -2653,7 +2653,7 @@
           <a:p>
             <a:fld id="{A76116CE-C4A3-4A05-B2D7-7C2E9A889C0F}" type="datetimeFigureOut">
               <a:rPr lang="en-US" smtClean="0"/>
-              <a:t>9/19/2023</a:t>
+              <a:t>10/17/2023</a:t>
             </a:fld>
             <a:endParaRPr lang="en-US"/>
           </a:p>
@@ -2900,7 +2900,7 @@
           <a:p>
             <a:fld id="{A76116CE-C4A3-4A05-B2D7-7C2E9A889C0F}" type="datetimeFigureOut">
               <a:rPr lang="en-US" smtClean="0"/>
-              <a:t>9/19/2023</a:t>
+              <a:t>10/17/2023</a:t>
             </a:fld>
             <a:endParaRPr lang="en-US"/>
           </a:p>
@@ -3106,7 +3106,7 @@
           <a:p>
             <a:fld id="{F8166F1F-CE9B-4651-A6AA-CD717754106B}" type="datetimeFigureOut">
               <a:rPr lang="en-US" smtClean="0"/>
-              <a:t>9/19/2023</a:t>
+              <a:t>10/17/2023</a:t>
             </a:fld>
             <a:endParaRPr lang="en-US"/>
           </a:p>
@@ -4875,10 +4875,18 @@
                 <a:latin typeface="Noto Sans CJK KR Regular" pitchFamily="34" charset="0"/>
                 <a:cs typeface="Noto Sans CJK KR Regular" pitchFamily="34" charset="0"/>
               </a:rPr>
-              <a:t> float3 vCameraPosition = float3(gvCameraPosition.x, gvCameraPosition.y, gvCameraPosition.z);     //조명카메라 위치 </a:t>
-            </a:r>
-          </a:p>
-          <a:p>
+              <a:t> float3 </a:t>
+            </a:r>
+            <a:r>
+              <a:rPr lang="en-US" sz="1300" dirty="0" err="1">
+                <a:solidFill>
+                  <a:srgbClr val="000000"/>
+                </a:solidFill>
+                <a:latin typeface="Noto Sans CJK KR Regular" pitchFamily="34" charset="0"/>
+                <a:cs typeface="Noto Sans CJK KR Regular" pitchFamily="34" charset="0"/>
+              </a:rPr>
+              <a:t>CameraViewPosition</a:t>
+            </a:r>
             <a:r>
               <a:rPr lang="en-US" sz="1300" dirty="0">
                 <a:solidFill>
@@ -4887,10 +4895,18 @@
                 <a:latin typeface="Noto Sans CJK KR Regular" pitchFamily="34" charset="0"/>
                 <a:cs typeface="Noto Sans CJK KR Regular" pitchFamily="34" charset="0"/>
               </a:rPr>
-              <a:t> float3 vToCamera = normalize(vCameraPosition - vPosition);                                                                //조명카메라 방향</a:t>
-            </a:r>
-          </a:p>
-          <a:p>
+              <a:t> = float3(</a:t>
+            </a:r>
+            <a:r>
+              <a:rPr lang="en-US" sz="1300" dirty="0" err="1">
+                <a:solidFill>
+                  <a:srgbClr val="000000"/>
+                </a:solidFill>
+                <a:latin typeface="Noto Sans CJK KR Regular" pitchFamily="34" charset="0"/>
+                <a:cs typeface="Noto Sans CJK KR Regular" pitchFamily="34" charset="0"/>
+              </a:rPr>
+              <a:t>gvCameraPosition.x</a:t>
+            </a:r>
             <a:r>
               <a:rPr lang="en-US" sz="1300" dirty="0">
                 <a:solidFill>
@@ -4899,7 +4915,115 @@
                 <a:latin typeface="Noto Sans CJK KR Regular" pitchFamily="34" charset="0"/>
                 <a:cs typeface="Noto Sans CJK KR Regular" pitchFamily="34" charset="0"/>
               </a:rPr>
-              <a:t> float4 cColor = float4(1.0f, 1.0f, 1.0f, 1.0f);                                                                                                //조명 컬러 </a:t>
+              <a:t>, gvCameraPosition.y, gvCameraPosition.z);                   </a:t>
+            </a:r>
+            <a:r>
+              <a:rPr lang="en-US" sz="1300" b="1" dirty="0">
+                <a:solidFill>
+                  <a:schemeClr val="accent3">
+                    <a:lumMod val="75000"/>
+                  </a:schemeClr>
+                </a:solidFill>
+                <a:latin typeface="Noto Sans CJK KR Regular" pitchFamily="34" charset="0"/>
+                <a:cs typeface="Noto Sans CJK KR Regular" pitchFamily="34" charset="0"/>
+              </a:rPr>
+              <a:t>//</a:t>
+            </a:r>
+            <a:r>
+              <a:rPr lang="ko-KR" altLang="en-US" sz="1300" b="1" dirty="0">
+                <a:solidFill>
+                  <a:schemeClr val="accent3">
+                    <a:lumMod val="75000"/>
+                  </a:schemeClr>
+                </a:solidFill>
+                <a:latin typeface="Noto Sans CJK KR Regular" pitchFamily="34" charset="0"/>
+                <a:cs typeface="Noto Sans CJK KR Regular" pitchFamily="34" charset="0"/>
+              </a:rPr>
+              <a:t>상수 버퍼로 받아온 </a:t>
+            </a:r>
+            <a:r>
+              <a:rPr lang="en-US" sz="1300" b="1" dirty="0" err="1">
+                <a:solidFill>
+                  <a:schemeClr val="accent3">
+                    <a:lumMod val="75000"/>
+                  </a:schemeClr>
+                </a:solidFill>
+                <a:latin typeface="Noto Sans CJK KR Regular" pitchFamily="34" charset="0"/>
+                <a:cs typeface="Noto Sans CJK KR Regular" pitchFamily="34" charset="0"/>
+              </a:rPr>
+              <a:t>조명</a:t>
+            </a:r>
+            <a:r>
+              <a:rPr lang="en-US" sz="1300" b="1" dirty="0">
+                <a:solidFill>
+                  <a:schemeClr val="accent3">
+                    <a:lumMod val="75000"/>
+                  </a:schemeClr>
+                </a:solidFill>
+                <a:latin typeface="Noto Sans CJK KR Regular" pitchFamily="34" charset="0"/>
+                <a:cs typeface="Noto Sans CJK KR Regular" pitchFamily="34" charset="0"/>
+              </a:rPr>
+              <a:t> </a:t>
+            </a:r>
+            <a:r>
+              <a:rPr lang="en-US" sz="1300" b="1" dirty="0" err="1">
+                <a:solidFill>
+                  <a:schemeClr val="accent3">
+                    <a:lumMod val="75000"/>
+                  </a:schemeClr>
+                </a:solidFill>
+                <a:latin typeface="Noto Sans CJK KR Regular" pitchFamily="34" charset="0"/>
+                <a:cs typeface="Noto Sans CJK KR Regular" pitchFamily="34" charset="0"/>
+              </a:rPr>
+              <a:t>카메라</a:t>
+            </a:r>
+            <a:r>
+              <a:rPr lang="ko-KR" altLang="en-US" sz="1300" b="1" dirty="0">
+                <a:solidFill>
+                  <a:schemeClr val="accent3">
+                    <a:lumMod val="75000"/>
+                  </a:schemeClr>
+                </a:solidFill>
+                <a:latin typeface="Noto Sans CJK KR Regular" pitchFamily="34" charset="0"/>
+                <a:cs typeface="Noto Sans CJK KR Regular" pitchFamily="34" charset="0"/>
+              </a:rPr>
+              <a:t>의</a:t>
+            </a:r>
+            <a:r>
+              <a:rPr lang="en-US" sz="1300" b="1" dirty="0">
+                <a:solidFill>
+                  <a:schemeClr val="accent3">
+                    <a:lumMod val="75000"/>
+                  </a:schemeClr>
+                </a:solidFill>
+                <a:latin typeface="Noto Sans CJK KR Regular" pitchFamily="34" charset="0"/>
+                <a:cs typeface="Noto Sans CJK KR Regular" pitchFamily="34" charset="0"/>
+              </a:rPr>
+              <a:t> </a:t>
+            </a:r>
+            <a:r>
+              <a:rPr lang="en-US" sz="1300" b="1" dirty="0" err="1">
+                <a:solidFill>
+                  <a:schemeClr val="accent3">
+                    <a:lumMod val="75000"/>
+                  </a:schemeClr>
+                </a:solidFill>
+                <a:latin typeface="Noto Sans CJK KR Regular" pitchFamily="34" charset="0"/>
+                <a:cs typeface="Noto Sans CJK KR Regular" pitchFamily="34" charset="0"/>
+              </a:rPr>
+              <a:t>위치</a:t>
+            </a:r>
+            <a:r>
+              <a:rPr lang="en-US" sz="1300" b="1" dirty="0">
+                <a:solidFill>
+                  <a:schemeClr val="accent3">
+                    <a:lumMod val="75000"/>
+                  </a:schemeClr>
+                </a:solidFill>
+                <a:latin typeface="Noto Sans CJK KR Regular" pitchFamily="34" charset="0"/>
+                <a:cs typeface="Noto Sans CJK KR Regular" pitchFamily="34" charset="0"/>
+              </a:rPr>
+              <a:t> </a:t>
             </a:r>
           </a:p>
           <a:p>
@@ -4911,7 +5035,308 @@
                 <a:latin typeface="Noto Sans CJK KR Regular" pitchFamily="34" charset="0"/>
                 <a:cs typeface="Noto Sans CJK KR Regular" pitchFamily="34" charset="0"/>
               </a:rPr>
-              <a:t> float fShadowFactor = 1.0f;                                                                                                                        //그림자 명도</a:t>
+              <a:t> float3 </a:t>
+            </a:r>
+            <a:r>
+              <a:rPr lang="en-US" sz="1300" dirty="0" err="1">
+                <a:solidFill>
+                  <a:srgbClr val="000000"/>
+                </a:solidFill>
+                <a:latin typeface="Noto Sans CJK KR Regular" pitchFamily="34" charset="0"/>
+                <a:cs typeface="Noto Sans CJK KR Regular" pitchFamily="34" charset="0"/>
+              </a:rPr>
+              <a:t>ViewToCamera</a:t>
+            </a:r>
+            <a:r>
+              <a:rPr lang="en-US" sz="1300" dirty="0">
+                <a:solidFill>
+                  <a:srgbClr val="000000"/>
+                </a:solidFill>
+                <a:latin typeface="Noto Sans CJK KR Regular" pitchFamily="34" charset="0"/>
+                <a:cs typeface="Noto Sans CJK KR Regular" pitchFamily="34" charset="0"/>
+              </a:rPr>
+              <a:t> = normalize(</a:t>
+            </a:r>
+            <a:r>
+              <a:rPr lang="en-US" altLang="ko-KR" sz="1300" dirty="0" err="1">
+                <a:solidFill>
+                  <a:srgbClr val="000000"/>
+                </a:solidFill>
+                <a:latin typeface="Noto Sans CJK KR Regular" pitchFamily="34" charset="0"/>
+                <a:cs typeface="Noto Sans CJK KR Regular" pitchFamily="34" charset="0"/>
+              </a:rPr>
+              <a:t>CameraViewPosition</a:t>
+            </a:r>
+            <a:r>
+              <a:rPr lang="en-US" sz="1300" dirty="0">
+                <a:solidFill>
+                  <a:srgbClr val="000000"/>
+                </a:solidFill>
+                <a:latin typeface="Noto Sans CJK KR Regular" pitchFamily="34" charset="0"/>
+                <a:cs typeface="Noto Sans CJK KR Regular" pitchFamily="34" charset="0"/>
+              </a:rPr>
+              <a:t> - vPosition);                                                                         </a:t>
+            </a:r>
+            <a:r>
+              <a:rPr lang="en-US" sz="1300" b="1" dirty="0">
+                <a:solidFill>
+                  <a:schemeClr val="accent3">
+                    <a:lumMod val="75000"/>
+                  </a:schemeClr>
+                </a:solidFill>
+                <a:latin typeface="Noto Sans CJK KR Regular" pitchFamily="34" charset="0"/>
+                <a:cs typeface="Noto Sans CJK KR Regular" pitchFamily="34" charset="0"/>
+              </a:rPr>
+              <a:t>//</a:t>
+            </a:r>
+            <a:r>
+              <a:rPr lang="en-US" sz="1300" b="1" dirty="0" err="1">
+                <a:solidFill>
+                  <a:schemeClr val="accent3">
+                    <a:lumMod val="75000"/>
+                  </a:schemeClr>
+                </a:solidFill>
+                <a:latin typeface="Noto Sans CJK KR Regular" pitchFamily="34" charset="0"/>
+                <a:cs typeface="Noto Sans CJK KR Regular" pitchFamily="34" charset="0"/>
+              </a:rPr>
+              <a:t>조명</a:t>
+            </a:r>
+            <a:r>
+              <a:rPr lang="en-US" sz="1300" b="1" dirty="0">
+                <a:solidFill>
+                  <a:schemeClr val="accent3">
+                    <a:lumMod val="75000"/>
+                  </a:schemeClr>
+                </a:solidFill>
+                <a:latin typeface="Noto Sans CJK KR Regular" pitchFamily="34" charset="0"/>
+                <a:cs typeface="Noto Sans CJK KR Regular" pitchFamily="34" charset="0"/>
+              </a:rPr>
+              <a:t> </a:t>
+            </a:r>
+            <a:r>
+              <a:rPr lang="en-US" sz="1300" b="1" dirty="0" err="1">
+                <a:solidFill>
+                  <a:schemeClr val="accent3">
+                    <a:lumMod val="75000"/>
+                  </a:schemeClr>
+                </a:solidFill>
+                <a:latin typeface="Noto Sans CJK KR Regular" pitchFamily="34" charset="0"/>
+                <a:cs typeface="Noto Sans CJK KR Regular" pitchFamily="34" charset="0"/>
+              </a:rPr>
+              <a:t>카메라</a:t>
+            </a:r>
+            <a:r>
+              <a:rPr lang="ko-KR" altLang="en-US" sz="1300" b="1" dirty="0">
+                <a:solidFill>
+                  <a:schemeClr val="accent3">
+                    <a:lumMod val="75000"/>
+                  </a:schemeClr>
+                </a:solidFill>
+                <a:latin typeface="Noto Sans CJK KR Regular" pitchFamily="34" charset="0"/>
+                <a:cs typeface="Noto Sans CJK KR Regular" pitchFamily="34" charset="0"/>
+              </a:rPr>
+              <a:t>의</a:t>
+            </a:r>
+            <a:r>
+              <a:rPr lang="en-US" sz="1300" b="1" dirty="0">
+                <a:solidFill>
+                  <a:schemeClr val="accent3">
+                    <a:lumMod val="75000"/>
+                  </a:schemeClr>
+                </a:solidFill>
+                <a:latin typeface="Noto Sans CJK KR Regular" pitchFamily="34" charset="0"/>
+                <a:cs typeface="Noto Sans CJK KR Regular" pitchFamily="34" charset="0"/>
+              </a:rPr>
+              <a:t> </a:t>
+            </a:r>
+            <a:r>
+              <a:rPr lang="en-US" sz="1300" b="1" dirty="0" err="1">
+                <a:solidFill>
+                  <a:schemeClr val="accent3">
+                    <a:lumMod val="75000"/>
+                  </a:schemeClr>
+                </a:solidFill>
+                <a:latin typeface="Noto Sans CJK KR Regular" pitchFamily="34" charset="0"/>
+                <a:cs typeface="Noto Sans CJK KR Regular" pitchFamily="34" charset="0"/>
+              </a:rPr>
+              <a:t>방향</a:t>
+            </a:r>
+            <a:r>
+              <a:rPr lang="ko-KR" altLang="en-US" sz="1300" b="1" dirty="0" err="1">
+                <a:solidFill>
+                  <a:schemeClr val="accent3">
+                    <a:lumMod val="75000"/>
+                  </a:schemeClr>
+                </a:solidFill>
+                <a:latin typeface="Noto Sans CJK KR Regular" pitchFamily="34" charset="0"/>
+                <a:cs typeface="Noto Sans CJK KR Regular" pitchFamily="34" charset="0"/>
+              </a:rPr>
+              <a:t>백터</a:t>
+            </a:r>
+            <a:r>
+              <a:rPr lang="ko-KR" altLang="en-US" sz="1300" b="1" dirty="0">
+                <a:solidFill>
+                  <a:schemeClr val="accent3">
+                    <a:lumMod val="75000"/>
+                  </a:schemeClr>
+                </a:solidFill>
+                <a:latin typeface="Noto Sans CJK KR Regular" pitchFamily="34" charset="0"/>
+                <a:cs typeface="Noto Sans CJK KR Regular" pitchFamily="34" charset="0"/>
+              </a:rPr>
+              <a:t> 계산 </a:t>
+            </a:r>
+            <a:endParaRPr lang="en-US" sz="1300" b="1" dirty="0">
+              <a:solidFill>
+                <a:schemeClr val="accent3">
+                  <a:lumMod val="75000"/>
+                </a:schemeClr>
+              </a:solidFill>
+              <a:latin typeface="Noto Sans CJK KR Regular" pitchFamily="34" charset="0"/>
+              <a:cs typeface="Noto Sans CJK KR Regular" pitchFamily="34" charset="0"/>
+            </a:endParaRPr>
+          </a:p>
+          <a:p>
+            <a:r>
+              <a:rPr lang="en-US" sz="1300" dirty="0">
+                <a:solidFill>
+                  <a:srgbClr val="000000"/>
+                </a:solidFill>
+                <a:latin typeface="Noto Sans CJK KR Regular" pitchFamily="34" charset="0"/>
+                <a:cs typeface="Noto Sans CJK KR Regular" pitchFamily="34" charset="0"/>
+              </a:rPr>
+              <a:t> float4 cColor = float4(1.0f, 1.0f, 1.0f, 1.0f);                                                                                               	 </a:t>
+            </a:r>
+            <a:r>
+              <a:rPr lang="en-US" sz="1300" b="1" dirty="0">
+                <a:solidFill>
+                  <a:schemeClr val="accent3">
+                    <a:lumMod val="75000"/>
+                  </a:schemeClr>
+                </a:solidFill>
+                <a:latin typeface="Noto Sans CJK KR Regular" pitchFamily="34" charset="0"/>
+                <a:cs typeface="Noto Sans CJK KR Regular" pitchFamily="34" charset="0"/>
+              </a:rPr>
+              <a:t>//</a:t>
+            </a:r>
+            <a:r>
+              <a:rPr lang="en-US" sz="1300" b="1" dirty="0" err="1">
+                <a:solidFill>
+                  <a:schemeClr val="accent3">
+                    <a:lumMod val="75000"/>
+                  </a:schemeClr>
+                </a:solidFill>
+                <a:latin typeface="Noto Sans CJK KR Regular" pitchFamily="34" charset="0"/>
+                <a:cs typeface="Noto Sans CJK KR Regular" pitchFamily="34" charset="0"/>
+              </a:rPr>
+              <a:t>조명</a:t>
+            </a:r>
+            <a:r>
+              <a:rPr lang="en-US" sz="1300" b="1" dirty="0">
+                <a:solidFill>
+                  <a:schemeClr val="accent3">
+                    <a:lumMod val="75000"/>
+                  </a:schemeClr>
+                </a:solidFill>
+                <a:latin typeface="Noto Sans CJK KR Regular" pitchFamily="34" charset="0"/>
+                <a:cs typeface="Noto Sans CJK KR Regular" pitchFamily="34" charset="0"/>
+              </a:rPr>
+              <a:t> </a:t>
+            </a:r>
+            <a:r>
+              <a:rPr lang="ko-KR" altLang="en-US" sz="1300" b="1" dirty="0">
+                <a:solidFill>
+                  <a:schemeClr val="accent3">
+                    <a:lumMod val="75000"/>
+                  </a:schemeClr>
+                </a:solidFill>
+                <a:latin typeface="Noto Sans CJK KR Regular" pitchFamily="34" charset="0"/>
+                <a:cs typeface="Noto Sans CJK KR Regular" pitchFamily="34" charset="0"/>
+              </a:rPr>
+              <a:t>빛</a:t>
+            </a:r>
+            <a:r>
+              <a:rPr lang="en-US" sz="1300" b="1" dirty="0">
+                <a:solidFill>
+                  <a:schemeClr val="accent3">
+                    <a:lumMod val="75000"/>
+                  </a:schemeClr>
+                </a:solidFill>
+                <a:latin typeface="Noto Sans CJK KR Regular" pitchFamily="34" charset="0"/>
+                <a:cs typeface="Noto Sans CJK KR Regular" pitchFamily="34" charset="0"/>
+              </a:rPr>
+              <a:t> 컬러 </a:t>
+            </a:r>
+          </a:p>
+          <a:p>
+            <a:r>
+              <a:rPr lang="en-US" sz="1300" dirty="0">
+                <a:solidFill>
+                  <a:srgbClr val="000000"/>
+                </a:solidFill>
+                <a:latin typeface="Noto Sans CJK KR Regular" pitchFamily="34" charset="0"/>
+                <a:cs typeface="Noto Sans CJK KR Regular" pitchFamily="34" charset="0"/>
+              </a:rPr>
+              <a:t> float fShadowFactor = 1.0f;                                                                                                                      		  </a:t>
+            </a:r>
+            <a:r>
+              <a:rPr lang="en-US" sz="1300" b="1" dirty="0">
+                <a:solidFill>
+                  <a:schemeClr val="accent3">
+                    <a:lumMod val="75000"/>
+                  </a:schemeClr>
+                </a:solidFill>
+                <a:latin typeface="Noto Sans CJK KR Regular" pitchFamily="34" charset="0"/>
+                <a:cs typeface="Noto Sans CJK KR Regular" pitchFamily="34" charset="0"/>
+              </a:rPr>
+              <a:t>//</a:t>
+            </a:r>
+            <a:r>
+              <a:rPr lang="en-US" sz="1300" b="1" dirty="0" err="1">
+                <a:solidFill>
+                  <a:schemeClr val="accent3">
+                    <a:lumMod val="75000"/>
+                  </a:schemeClr>
+                </a:solidFill>
+                <a:latin typeface="Noto Sans CJK KR Regular" pitchFamily="34" charset="0"/>
+                <a:cs typeface="Noto Sans CJK KR Regular" pitchFamily="34" charset="0"/>
+              </a:rPr>
+              <a:t>그림자</a:t>
+            </a:r>
+            <a:r>
+              <a:rPr lang="en-US" sz="1300" b="1" dirty="0">
+                <a:solidFill>
+                  <a:schemeClr val="accent3">
+                    <a:lumMod val="75000"/>
+                  </a:schemeClr>
+                </a:solidFill>
+                <a:latin typeface="Noto Sans CJK KR Regular" pitchFamily="34" charset="0"/>
+                <a:cs typeface="Noto Sans CJK KR Regular" pitchFamily="34" charset="0"/>
+              </a:rPr>
+              <a:t> </a:t>
+            </a:r>
+            <a:r>
+              <a:rPr lang="en-US" sz="1300" b="1" dirty="0" err="1">
+                <a:solidFill>
+                  <a:schemeClr val="accent3">
+                    <a:lumMod val="75000"/>
+                  </a:schemeClr>
+                </a:solidFill>
+                <a:latin typeface="Noto Sans CJK KR Regular" pitchFamily="34" charset="0"/>
+                <a:cs typeface="Noto Sans CJK KR Regular" pitchFamily="34" charset="0"/>
+              </a:rPr>
+              <a:t>명도</a:t>
+            </a:r>
+            <a:r>
+              <a:rPr lang="en-US" sz="1300" b="1" dirty="0">
+                <a:solidFill>
+                  <a:schemeClr val="accent3">
+                    <a:lumMod val="75000"/>
+                  </a:schemeClr>
+                </a:solidFill>
+                <a:latin typeface="Noto Sans CJK KR Regular" pitchFamily="34" charset="0"/>
+                <a:cs typeface="Noto Sans CJK KR Regular" pitchFamily="34" charset="0"/>
+              </a:rPr>
+              <a:t> Factor</a:t>
             </a:r>
           </a:p>
           <a:p>
@@ -5085,8 +5510,77 @@
                 <a:latin typeface="Noto Sans CJK KR Regular" pitchFamily="34" charset="0"/>
                 <a:cs typeface="Noto Sans CJK KR Regular" pitchFamily="34" charset="0"/>
               </a:rPr>
-              <a:t>       if (gLights[i].m_nType == POINT_LIGHT)                                                                                             //포인트 조명일 경우 </a:t>
-            </a:r>
+              <a:t>       if (gLights[i].m_nType == POINT_LIGHT)                                                                                            </a:t>
+            </a:r>
+            <a:r>
+              <a:rPr lang="en-US" sz="1300" b="1" dirty="0">
+                <a:solidFill>
+                  <a:schemeClr val="accent3">
+                    <a:lumMod val="75000"/>
+                  </a:schemeClr>
+                </a:solidFill>
+                <a:latin typeface="Noto Sans CJK KR Regular" pitchFamily="34" charset="0"/>
+                <a:cs typeface="Noto Sans CJK KR Regular" pitchFamily="34" charset="0"/>
+              </a:rPr>
+              <a:t> //</a:t>
+            </a:r>
+            <a:r>
+              <a:rPr lang="ko-KR" altLang="en-US" sz="1300" b="1" dirty="0">
+                <a:solidFill>
+                  <a:schemeClr val="accent3">
+                    <a:lumMod val="75000"/>
+                  </a:schemeClr>
+                </a:solidFill>
+                <a:latin typeface="Noto Sans CJK KR Regular" pitchFamily="34" charset="0"/>
+                <a:cs typeface="Noto Sans CJK KR Regular" pitchFamily="34" charset="0"/>
+              </a:rPr>
+              <a:t>조명이 </a:t>
+            </a:r>
+            <a:r>
+              <a:rPr lang="en-US" altLang="ko-KR" sz="1300" b="1" dirty="0">
+                <a:solidFill>
+                  <a:schemeClr val="accent3">
+                    <a:lumMod val="75000"/>
+                  </a:schemeClr>
+                </a:solidFill>
+                <a:latin typeface="Noto Sans CJK KR Regular" pitchFamily="34" charset="0"/>
+                <a:cs typeface="Noto Sans CJK KR Regular" pitchFamily="34" charset="0"/>
+              </a:rPr>
+              <a:t>Point Light</a:t>
+            </a:r>
+            <a:r>
+              <a:rPr lang="ko-KR" altLang="en-US" sz="1300" b="1" dirty="0" err="1">
+                <a:solidFill>
+                  <a:schemeClr val="accent3">
+                    <a:lumMod val="75000"/>
+                  </a:schemeClr>
+                </a:solidFill>
+                <a:latin typeface="Noto Sans CJK KR Regular" pitchFamily="34" charset="0"/>
+                <a:cs typeface="Noto Sans CJK KR Regular" pitchFamily="34" charset="0"/>
+              </a:rPr>
+              <a:t>일경우</a:t>
+            </a:r>
+            <a:r>
+              <a:rPr lang="ko-KR" altLang="en-US" sz="1300" b="1" dirty="0">
+                <a:solidFill>
+                  <a:schemeClr val="accent3">
+                    <a:lumMod val="75000"/>
+                  </a:schemeClr>
+                </a:solidFill>
+                <a:latin typeface="Noto Sans CJK KR Regular" pitchFamily="34" charset="0"/>
+                <a:cs typeface="Noto Sans CJK KR Regular" pitchFamily="34" charset="0"/>
+              </a:rPr>
+              <a:t> </a:t>
+            </a:r>
+            <a:endParaRPr lang="en-US" sz="1300" b="1" dirty="0">
+              <a:solidFill>
+                <a:schemeClr val="accent3">
+                  <a:lumMod val="75000"/>
+                </a:schemeClr>
+              </a:solidFill>
+              <a:latin typeface="Noto Sans CJK KR Regular" pitchFamily="34" charset="0"/>
+              <a:cs typeface="Noto Sans CJK KR Regular" pitchFamily="34" charset="0"/>
+            </a:endParaRPr>
           </a:p>
           <a:p>
             <a:r>
@@ -5205,8 +5699,77 @@
                 <a:latin typeface="Noto Sans CJK KR Regular" pitchFamily="34" charset="0"/>
                 <a:cs typeface="Noto Sans CJK KR Regular" pitchFamily="34" charset="0"/>
               </a:rPr>
-              <a:t>       else if (gLights[i].m_nType == SPOT_LIGHT)                                                                                         //스팟 조명일 경우 </a:t>
-            </a:r>
+              <a:t>       else if (gLights[i].m_nType == SPOT_LIGHT)                                                                                         </a:t>
+            </a:r>
+            <a:r>
+              <a:rPr lang="en-US" sz="1300" b="1" dirty="0">
+                <a:solidFill>
+                  <a:schemeClr val="accent3">
+                    <a:lumMod val="75000"/>
+                  </a:schemeClr>
+                </a:solidFill>
+                <a:latin typeface="Noto Sans CJK KR Regular" pitchFamily="34" charset="0"/>
+                <a:cs typeface="Noto Sans CJK KR Regular" pitchFamily="34" charset="0"/>
+              </a:rPr>
+              <a:t>//</a:t>
+            </a:r>
+            <a:r>
+              <a:rPr lang="ko-KR" altLang="en-US" sz="1300" b="1" dirty="0">
+                <a:solidFill>
+                  <a:schemeClr val="accent3">
+                    <a:lumMod val="75000"/>
+                  </a:schemeClr>
+                </a:solidFill>
+                <a:latin typeface="Noto Sans CJK KR Regular" pitchFamily="34" charset="0"/>
+                <a:cs typeface="Noto Sans CJK KR Regular" pitchFamily="34" charset="0"/>
+              </a:rPr>
+              <a:t>조명이 </a:t>
+            </a:r>
+            <a:r>
+              <a:rPr lang="en-US" altLang="ko-KR" sz="1300" b="1" dirty="0">
+                <a:solidFill>
+                  <a:schemeClr val="accent3">
+                    <a:lumMod val="75000"/>
+                  </a:schemeClr>
+                </a:solidFill>
+                <a:latin typeface="Noto Sans CJK KR Regular" pitchFamily="34" charset="0"/>
+                <a:cs typeface="Noto Sans CJK KR Regular" pitchFamily="34" charset="0"/>
+              </a:rPr>
+              <a:t>Spot Light</a:t>
+            </a:r>
+            <a:r>
+              <a:rPr lang="ko-KR" altLang="en-US" sz="1300" b="1" dirty="0" err="1">
+                <a:solidFill>
+                  <a:schemeClr val="accent3">
+                    <a:lumMod val="75000"/>
+                  </a:schemeClr>
+                </a:solidFill>
+                <a:latin typeface="Noto Sans CJK KR Regular" pitchFamily="34" charset="0"/>
+                <a:cs typeface="Noto Sans CJK KR Regular" pitchFamily="34" charset="0"/>
+              </a:rPr>
+              <a:t>일경우</a:t>
+            </a:r>
+            <a:r>
+              <a:rPr lang="ko-KR" altLang="en-US" sz="1300" b="1" dirty="0">
+                <a:solidFill>
+                  <a:schemeClr val="accent3">
+                    <a:lumMod val="75000"/>
+                  </a:schemeClr>
+                </a:solidFill>
+                <a:latin typeface="Noto Sans CJK KR Regular" pitchFamily="34" charset="0"/>
+                <a:cs typeface="Noto Sans CJK KR Regular" pitchFamily="34" charset="0"/>
+              </a:rPr>
+              <a:t> </a:t>
+            </a:r>
+            <a:endParaRPr lang="en-US" sz="1300" b="1" dirty="0">
+              <a:solidFill>
+                <a:schemeClr val="accent3">
+                  <a:lumMod val="75000"/>
+                </a:schemeClr>
+              </a:solidFill>
+              <a:latin typeface="Noto Sans CJK KR Regular" pitchFamily="34" charset="0"/>
+              <a:cs typeface="Noto Sans CJK KR Regular" pitchFamily="34" charset="0"/>
+            </a:endParaRPr>
           </a:p>
           <a:p>
             <a:r>
@@ -5349,8 +5912,111 @@
                 <a:latin typeface="Noto Sans CJK KR Regular" pitchFamily="34" charset="0"/>
                 <a:cs typeface="Noto Sans CJK KR Regular" pitchFamily="34" charset="0"/>
               </a:rPr>
-              <a:t> } </a:t>
-            </a:r>
+              <a:t> } 							</a:t>
+            </a:r>
+            <a:r>
+              <a:rPr lang="en-US" altLang="ko-KR" sz="1300" b="1" dirty="0">
+                <a:solidFill>
+                  <a:schemeClr val="accent3">
+                    <a:lumMod val="75000"/>
+                  </a:schemeClr>
+                </a:solidFill>
+                <a:latin typeface="Noto Sans CJK KR Regular" pitchFamily="34" charset="0"/>
+                <a:cs typeface="Noto Sans CJK KR Regular" pitchFamily="34" charset="0"/>
+              </a:rPr>
+              <a:t> //</a:t>
+            </a:r>
+            <a:r>
+              <a:rPr lang="ko-KR" altLang="en-US" sz="1300" b="1" dirty="0">
+                <a:solidFill>
+                  <a:schemeClr val="accent3">
+                    <a:lumMod val="75000"/>
+                  </a:schemeClr>
+                </a:solidFill>
+                <a:latin typeface="Noto Sans CJK KR Regular" pitchFamily="34" charset="0"/>
+                <a:cs typeface="Noto Sans CJK KR Regular" pitchFamily="34" charset="0"/>
+              </a:rPr>
+              <a:t>상수로 받아온 </a:t>
+            </a:r>
+            <a:r>
+              <a:rPr lang="en-US" altLang="ko-KR" sz="1300" b="1" dirty="0">
+                <a:solidFill>
+                  <a:schemeClr val="accent3">
+                    <a:lumMod val="75000"/>
+                  </a:schemeClr>
+                </a:solidFill>
+                <a:latin typeface="Noto Sans CJK KR Regular" pitchFamily="34" charset="0"/>
+                <a:cs typeface="Noto Sans CJK KR Regular" pitchFamily="34" charset="0"/>
+              </a:rPr>
+              <a:t>맵 </a:t>
+            </a:r>
+            <a:r>
+              <a:rPr lang="en-US" altLang="ko-KR" sz="1300" b="1" dirty="0" err="1">
+                <a:solidFill>
+                  <a:schemeClr val="accent3">
+                    <a:lumMod val="75000"/>
+                  </a:schemeClr>
+                </a:solidFill>
+                <a:latin typeface="Noto Sans CJK KR Regular" pitchFamily="34" charset="0"/>
+                <a:cs typeface="Noto Sans CJK KR Regular" pitchFamily="34" charset="0"/>
+              </a:rPr>
+              <a:t>명도와</a:t>
+            </a:r>
+            <a:r>
+              <a:rPr lang="en-US" altLang="ko-KR" sz="1300" b="1" dirty="0">
+                <a:solidFill>
+                  <a:schemeClr val="accent3">
+                    <a:lumMod val="75000"/>
+                  </a:schemeClr>
+                </a:solidFill>
+                <a:latin typeface="Noto Sans CJK KR Regular" pitchFamily="34" charset="0"/>
+                <a:cs typeface="Noto Sans CJK KR Regular" pitchFamily="34" charset="0"/>
+              </a:rPr>
+              <a:t> </a:t>
+            </a:r>
+            <a:r>
+              <a:rPr lang="en-US" altLang="ko-KR" sz="1300" b="1" dirty="0" err="1">
+                <a:solidFill>
+                  <a:schemeClr val="accent3">
+                    <a:lumMod val="75000"/>
+                  </a:schemeClr>
+                </a:solidFill>
+                <a:latin typeface="Noto Sans CJK KR Regular" pitchFamily="34" charset="0"/>
+                <a:cs typeface="Noto Sans CJK KR Regular" pitchFamily="34" charset="0"/>
+              </a:rPr>
+              <a:t>캐릭터의</a:t>
+            </a:r>
+            <a:r>
+              <a:rPr lang="en-US" altLang="ko-KR" sz="1300" b="1" dirty="0">
+                <a:solidFill>
+                  <a:schemeClr val="accent3">
+                    <a:lumMod val="75000"/>
+                  </a:schemeClr>
+                </a:solidFill>
+                <a:latin typeface="Noto Sans CJK KR Regular" pitchFamily="34" charset="0"/>
+                <a:cs typeface="Noto Sans CJK KR Regular" pitchFamily="34" charset="0"/>
+              </a:rPr>
+              <a:t> </a:t>
+            </a:r>
+            <a:r>
+              <a:rPr lang="ko-KR" altLang="en-US" sz="1300" b="1" dirty="0">
+                <a:solidFill>
+                  <a:schemeClr val="accent3">
+                    <a:lumMod val="75000"/>
+                  </a:schemeClr>
+                </a:solidFill>
+                <a:latin typeface="Noto Sans CJK KR Regular" pitchFamily="34" charset="0"/>
+                <a:cs typeface="Noto Sans CJK KR Regular" pitchFamily="34" charset="0"/>
+              </a:rPr>
+              <a:t>명도를 </a:t>
+            </a:r>
+            <a:endParaRPr lang="en-US" sz="1300" dirty="0">
+              <a:solidFill>
+                <a:srgbClr val="000000"/>
+              </a:solidFill>
+              <a:latin typeface="Noto Sans CJK KR Regular" pitchFamily="34" charset="0"/>
+              <a:cs typeface="Noto Sans CJK KR Regular" pitchFamily="34" charset="0"/>
+            </a:endParaRPr>
           </a:p>
           <a:p>
             <a:r>
@@ -5361,8 +6027,51 @@
                 <a:latin typeface="Noto Sans CJK KR Regular" pitchFamily="34" charset="0"/>
                 <a:cs typeface="Noto Sans CJK KR Regular" pitchFamily="34" charset="0"/>
               </a:rPr>
-              <a:t> cColor += (gcGlobalAmbientLight * gMaterial.m_cAmbient);                                                               //맵 명도와 캐릭터의 주변광을 합친다. </a:t>
-            </a:r>
+              <a:t> cColor += (gcGlobalAmbientLight * gMaterial.m_cAmbient);                                                               </a:t>
+            </a:r>
+            <a:r>
+              <a:rPr lang="en-US" sz="1300" b="1" dirty="0">
+                <a:solidFill>
+                  <a:schemeClr val="accent3">
+                    <a:lumMod val="75000"/>
+                  </a:schemeClr>
+                </a:solidFill>
+                <a:latin typeface="Noto Sans CJK KR Regular" pitchFamily="34" charset="0"/>
+                <a:cs typeface="Noto Sans CJK KR Regular" pitchFamily="34" charset="0"/>
+              </a:rPr>
+              <a:t>//</a:t>
+            </a:r>
+            <a:r>
+              <a:rPr lang="ko-KR" altLang="en-US" sz="1300" b="1" dirty="0">
+                <a:solidFill>
+                  <a:schemeClr val="accent3">
+                    <a:lumMod val="75000"/>
+                  </a:schemeClr>
+                </a:solidFill>
+                <a:latin typeface="Noto Sans CJK KR Regular" pitchFamily="34" charset="0"/>
+                <a:cs typeface="Noto Sans CJK KR Regular" pitchFamily="34" charset="0"/>
+              </a:rPr>
+              <a:t>조명으로 계산된 그림자 픽셀 색과 합친다</a:t>
+            </a:r>
+            <a:r>
+              <a:rPr lang="en-US" altLang="ko-KR" sz="1300" b="1" dirty="0">
+                <a:solidFill>
+                  <a:schemeClr val="accent3">
+                    <a:lumMod val="75000"/>
+                  </a:schemeClr>
+                </a:solidFill>
+                <a:latin typeface="Noto Sans CJK KR Regular" pitchFamily="34" charset="0"/>
+                <a:cs typeface="Noto Sans CJK KR Regular" pitchFamily="34" charset="0"/>
+              </a:rPr>
+              <a:t>. </a:t>
+            </a:r>
+            <a:endParaRPr lang="en-US" sz="1300" dirty="0">
+              <a:solidFill>
+                <a:srgbClr val="000000"/>
+              </a:solidFill>
+              <a:latin typeface="Noto Sans CJK KR Regular" pitchFamily="34" charset="0"/>
+              <a:cs typeface="Noto Sans CJK KR Regular" pitchFamily="34" charset="0"/>
+            </a:endParaRPr>
           </a:p>
           <a:p>
             <a:r>
@@ -5373,7 +6082,27 @@
                 <a:latin typeface="Noto Sans CJK KR Regular" pitchFamily="34" charset="0"/>
                 <a:cs typeface="Noto Sans CJK KR Regular" pitchFamily="34" charset="0"/>
               </a:rPr>
-              <a:t> cColor.a = gMaterial.m_cDiffuse.a;</a:t>
+              <a:t> cColor.a = </a:t>
+            </a:r>
+            <a:r>
+              <a:rPr lang="en-US" sz="1300" dirty="0" err="1">
+                <a:solidFill>
+                  <a:srgbClr val="000000"/>
+                </a:solidFill>
+                <a:latin typeface="Noto Sans CJK KR Regular" pitchFamily="34" charset="0"/>
+                <a:cs typeface="Noto Sans CJK KR Regular" pitchFamily="34" charset="0"/>
+              </a:rPr>
+              <a:t>gMaterial.m_cDiffuse.a</a:t>
+            </a:r>
+            <a:r>
+              <a:rPr lang="en-US" sz="1300" dirty="0">
+                <a:solidFill>
+                  <a:srgbClr val="000000"/>
+                </a:solidFill>
+                <a:latin typeface="Noto Sans CJK KR Regular" pitchFamily="34" charset="0"/>
+                <a:cs typeface="Noto Sans CJK KR Regular" pitchFamily="34" charset="0"/>
+              </a:rPr>
+              <a:t>;</a:t>
             </a:r>
           </a:p>
           <a:p>
@@ -5502,10 +6231,18 @@
                 <a:latin typeface="Noto Sans CJK KR Regular" pitchFamily="34" charset="0"/>
                 <a:cs typeface="Noto Sans CJK KR Regular" pitchFamily="34" charset="0"/>
               </a:rPr>
-              <a:t>   float3 vToLight = gLights[nIndex].m_vPosition - vPosition;                                                                       // 방향백터 계산</a:t>
-            </a:r>
-          </a:p>
-          <a:p>
+              <a:t>   float3 </a:t>
+            </a:r>
+            <a:r>
+              <a:rPr lang="en-US" sz="1500" dirty="0" err="1">
+                <a:solidFill>
+                  <a:srgbClr val="000000"/>
+                </a:solidFill>
+                <a:latin typeface="Noto Sans CJK KR Regular" pitchFamily="34" charset="0"/>
+                <a:cs typeface="Noto Sans CJK KR Regular" pitchFamily="34" charset="0"/>
+              </a:rPr>
+              <a:t>ViewToLight</a:t>
+            </a:r>
             <a:r>
               <a:rPr lang="en-US" sz="1500" dirty="0">
                 <a:solidFill>
@@ -5514,7 +6251,19 @@
                 <a:latin typeface="Noto Sans CJK KR Regular" pitchFamily="34" charset="0"/>
                 <a:cs typeface="Noto Sans CJK KR Regular" pitchFamily="34" charset="0"/>
               </a:rPr>
-              <a:t>   float fDistance = length(vToLight);                                                                                                               //물체와 조명의 거리 </a:t>
+              <a:t> = gLights[nIndex].m_vPosition - vPosition;                                                                      </a:t>
+            </a:r>
+            <a:r>
+              <a:rPr lang="en-US" sz="1500" b="1" dirty="0">
+                <a:solidFill>
+                  <a:schemeClr val="accent3">
+                    <a:lumMod val="75000"/>
+                  </a:schemeClr>
+                </a:solidFill>
+                <a:latin typeface="Noto Sans CJK KR Regular" pitchFamily="34" charset="0"/>
+                <a:cs typeface="Noto Sans CJK KR Regular" pitchFamily="34" charset="0"/>
+              </a:rPr>
+              <a:t> // 방향백터 계산</a:t>
             </a:r>
           </a:p>
           <a:p>
@@ -5526,6 +6275,50 @@
                 <a:latin typeface="Noto Sans CJK KR Regular" pitchFamily="34" charset="0"/>
                 <a:cs typeface="Noto Sans CJK KR Regular" pitchFamily="34" charset="0"/>
               </a:rPr>
+              <a:t>   float fDistance = length(</a:t>
+            </a:r>
+            <a:r>
+              <a:rPr lang="en-US" altLang="ko-KR" sz="1500" dirty="0" err="1">
+                <a:solidFill>
+                  <a:srgbClr val="000000"/>
+                </a:solidFill>
+                <a:latin typeface="Noto Sans CJK KR Regular" pitchFamily="34" charset="0"/>
+                <a:cs typeface="Noto Sans CJK KR Regular" pitchFamily="34" charset="0"/>
+              </a:rPr>
+              <a:t>ViewToLight</a:t>
+            </a:r>
+            <a:r>
+              <a:rPr lang="en-US" sz="1500" dirty="0">
+                <a:solidFill>
+                  <a:srgbClr val="000000"/>
+                </a:solidFill>
+                <a:latin typeface="Noto Sans CJK KR Regular" pitchFamily="34" charset="0"/>
+                <a:cs typeface="Noto Sans CJK KR Regular" pitchFamily="34" charset="0"/>
+              </a:rPr>
+              <a:t>);                                                                                                               </a:t>
+            </a:r>
+            <a:r>
+              <a:rPr lang="en-US" sz="1500" b="1" dirty="0">
+                <a:solidFill>
+                  <a:schemeClr val="accent3">
+                    <a:lumMod val="75000"/>
+                  </a:schemeClr>
+                </a:solidFill>
+                <a:latin typeface="Noto Sans CJK KR Regular" pitchFamily="34" charset="0"/>
+                <a:cs typeface="Noto Sans CJK KR Regular" pitchFamily="34" charset="0"/>
+              </a:rPr>
+              <a:t>//물체와 조명의 거리 </a:t>
+            </a:r>
+          </a:p>
+          <a:p>
+            <a:r>
+              <a:rPr lang="en-US" sz="1500" dirty="0">
+                <a:solidFill>
+                  <a:srgbClr val="000000"/>
+                </a:solidFill>
+                <a:latin typeface="Noto Sans CJK KR Regular" pitchFamily="34" charset="0"/>
+                <a:cs typeface="Noto Sans CJK KR Regular" pitchFamily="34" charset="0"/>
+              </a:rPr>
               <a:t>   if (fDistance &lt;= gLights[nIndex].m_fRange)                                                                                                 </a:t>
             </a:r>
           </a:p>
@@ -5562,10 +6355,18 @@
                 <a:latin typeface="Noto Sans CJK KR Regular" pitchFamily="34" charset="0"/>
                 <a:cs typeface="Noto Sans CJK KR Regular" pitchFamily="34" charset="0"/>
               </a:rPr>
-              <a:t>      vToLight /= fDistance; </a:t>
-            </a:r>
-          </a:p>
-          <a:p>
+              <a:t>      </a:t>
+            </a:r>
+            <a:r>
+              <a:rPr lang="en-US" altLang="ko-KR" sz="1500" dirty="0" err="1">
+                <a:solidFill>
+                  <a:srgbClr val="000000"/>
+                </a:solidFill>
+                <a:latin typeface="Noto Sans CJK KR Regular" pitchFamily="34" charset="0"/>
+                <a:cs typeface="Noto Sans CJK KR Regular" pitchFamily="34" charset="0"/>
+              </a:rPr>
+              <a:t>ViewToLight</a:t>
+            </a:r>
             <a:r>
               <a:rPr lang="en-US" sz="1500" dirty="0">
                 <a:solidFill>
@@ -5574,7 +6375,7 @@
                 <a:latin typeface="Noto Sans CJK KR Regular" pitchFamily="34" charset="0"/>
                 <a:cs typeface="Noto Sans CJK KR Regular" pitchFamily="34" charset="0"/>
               </a:rPr>
-              <a:t>      float fDiffuseFactor = dot(vToLight, vNormal);</a:t>
+              <a:t> /= fDistance; </a:t>
             </a:r>
           </a:p>
           <a:p>
@@ -5586,6 +6387,38 @@
                 <a:latin typeface="Noto Sans CJK KR Regular" pitchFamily="34" charset="0"/>
                 <a:cs typeface="Noto Sans CJK KR Regular" pitchFamily="34" charset="0"/>
               </a:rPr>
+              <a:t>      float fDiffuseFactor = dot(</a:t>
+            </a:r>
+            <a:r>
+              <a:rPr lang="en-US" altLang="ko-KR" sz="1500" dirty="0" err="1">
+                <a:solidFill>
+                  <a:srgbClr val="000000"/>
+                </a:solidFill>
+                <a:latin typeface="Noto Sans CJK KR Regular" pitchFamily="34" charset="0"/>
+                <a:cs typeface="Noto Sans CJK KR Regular" pitchFamily="34" charset="0"/>
+              </a:rPr>
+              <a:t>ViewToLight</a:t>
+            </a:r>
+            <a:r>
+              <a:rPr lang="en-US" sz="1500" dirty="0">
+                <a:solidFill>
+                  <a:srgbClr val="000000"/>
+                </a:solidFill>
+                <a:latin typeface="Noto Sans CJK KR Regular" pitchFamily="34" charset="0"/>
+                <a:cs typeface="Noto Sans CJK KR Regular" pitchFamily="34" charset="0"/>
+              </a:rPr>
+              <a:t>, vNormal);</a:t>
+            </a:r>
+          </a:p>
+          <a:p>
+            <a:r>
+              <a:rPr lang="en-US" sz="1500" dirty="0">
+                <a:solidFill>
+                  <a:srgbClr val="000000"/>
+                </a:solidFill>
+                <a:latin typeface="Noto Sans CJK KR Regular" pitchFamily="34" charset="0"/>
+                <a:cs typeface="Noto Sans CJK KR Regular" pitchFamily="34" charset="0"/>
+              </a:rPr>
               <a:t>      if (fDiffuseFactor &gt; 0.0f)</a:t>
             </a:r>
           </a:p>
@@ -5634,7 +6467,19 @@
                 <a:latin typeface="Noto Sans CJK KR Regular" pitchFamily="34" charset="0"/>
                 <a:cs typeface="Noto Sans CJK KR Regular" pitchFamily="34" charset="0"/>
               </a:rPr>
-              <a:t>  #ifdef _WITH_REFLECT                                                                                                                                    //스페큘러 효과를 계산</a:t>
+              <a:t>  #ifdef _WITH_REFLECT                                                                                                                                  </a:t>
+            </a:r>
+            <a:r>
+              <a:rPr lang="en-US" sz="1500" b="1" dirty="0">
+                <a:solidFill>
+                  <a:schemeClr val="accent3">
+                    <a:lumMod val="75000"/>
+                  </a:schemeClr>
+                </a:solidFill>
+                <a:latin typeface="Noto Sans CJK KR Regular" pitchFamily="34" charset="0"/>
+                <a:cs typeface="Noto Sans CJK KR Regular" pitchFamily="34" charset="0"/>
+              </a:rPr>
+              <a:t> </a:t>
             </a:r>
           </a:p>
           <a:p>
@@ -5646,10 +6491,28 @@
                 <a:latin typeface="Noto Sans CJK KR Regular" pitchFamily="34" charset="0"/>
                 <a:cs typeface="Noto Sans CJK KR Regular" pitchFamily="34" charset="0"/>
               </a:rPr>
-              <a:t>            float3 vReflect = reflect(-vToLight, vNormal);</a:t>
-            </a:r>
-          </a:p>
-          <a:p>
+              <a:t>            float3 vReflect = reflect(-</a:t>
+            </a:r>
+            <a:r>
+              <a:rPr lang="en-US" altLang="ko-KR" sz="1500" dirty="0">
+                <a:solidFill>
+                  <a:srgbClr val="000000"/>
+                </a:solidFill>
+                <a:latin typeface="Noto Sans CJK KR Regular" pitchFamily="34" charset="0"/>
+                <a:cs typeface="Noto Sans CJK KR Regular" pitchFamily="34" charset="0"/>
+              </a:rPr>
+              <a:t> </a:t>
+            </a:r>
+            <a:r>
+              <a:rPr lang="en-US" altLang="ko-KR" sz="1500" dirty="0" err="1">
+                <a:solidFill>
+                  <a:srgbClr val="000000"/>
+                </a:solidFill>
+                <a:latin typeface="Noto Sans CJK KR Regular" pitchFamily="34" charset="0"/>
+                <a:cs typeface="Noto Sans CJK KR Regular" pitchFamily="34" charset="0"/>
+              </a:rPr>
+              <a:t>ViewToLight</a:t>
+            </a:r>
             <a:r>
               <a:rPr lang="en-US" sz="1500" dirty="0">
                 <a:solidFill>
@@ -5658,10 +6521,18 @@
                 <a:latin typeface="Noto Sans CJK KR Regular" pitchFamily="34" charset="0"/>
                 <a:cs typeface="Noto Sans CJK KR Regular" pitchFamily="34" charset="0"/>
               </a:rPr>
-              <a:t>            fSpecularFactor = pow(max(dot(vReflect, vToCamera), 0.0f), gMaterial.m_cSpecular.a);</a:t>
-            </a:r>
-          </a:p>
-          <a:p>
+              <a:t>, </a:t>
+            </a:r>
+            <a:r>
+              <a:rPr lang="en-US" sz="1500" dirty="0" err="1">
+                <a:solidFill>
+                  <a:srgbClr val="000000"/>
+                </a:solidFill>
+                <a:latin typeface="Noto Sans CJK KR Regular" pitchFamily="34" charset="0"/>
+                <a:cs typeface="Noto Sans CJK KR Regular" pitchFamily="34" charset="0"/>
+              </a:rPr>
+              <a:t>vNormal</a:t>
+            </a:r>
             <a:r>
               <a:rPr lang="en-US" sz="1500" dirty="0">
                 <a:solidFill>
@@ -5670,118 +6541,44 @@
                 <a:latin typeface="Noto Sans CJK KR Regular" pitchFamily="34" charset="0"/>
                 <a:cs typeface="Noto Sans CJK KR Regular" pitchFamily="34" charset="0"/>
               </a:rPr>
-              <a:t>  #else</a:t>
-            </a:r>
-          </a:p>
-          <a:p>
-            <a:r>
-              <a:rPr lang="en-US" sz="1500" dirty="0">
-                <a:solidFill>
-                  <a:srgbClr val="000000"/>
-                </a:solidFill>
-                <a:latin typeface="Noto Sans CJK KR Regular" pitchFamily="34" charset="0"/>
-                <a:cs typeface="Noto Sans CJK KR Regular" pitchFamily="34" charset="0"/>
-              </a:rPr>
-              <a:t>  #ifdef _WITH_LOCAL_VIEWER_HIGHLIGHTING</a:t>
-            </a:r>
-          </a:p>
-          <a:p>
-            <a:r>
-              <a:rPr lang="en-US" sz="1500" dirty="0">
-                <a:solidFill>
-                  <a:srgbClr val="000000"/>
-                </a:solidFill>
-                <a:latin typeface="Noto Sans CJK KR Regular" pitchFamily="34" charset="0"/>
-                <a:cs typeface="Noto Sans CJK KR Regular" pitchFamily="34" charset="0"/>
-              </a:rPr>
-              <a:t>            float3 vHalf = normalize(vToCamera + vToLight);</a:t>
-            </a:r>
-          </a:p>
-          <a:p>
-            <a:r>
-              <a:rPr lang="en-US" sz="1500" dirty="0">
-                <a:solidFill>
-                  <a:srgbClr val="000000"/>
-                </a:solidFill>
-                <a:latin typeface="Noto Sans CJK KR Regular" pitchFamily="34" charset="0"/>
-                <a:cs typeface="Noto Sans CJK KR Regular" pitchFamily="34" charset="0"/>
-              </a:rPr>
-              <a:t>  #else</a:t>
-            </a:r>
-          </a:p>
-          <a:p>
-            <a:r>
-              <a:rPr lang="en-US" sz="1500" dirty="0">
-                <a:solidFill>
-                  <a:srgbClr val="000000"/>
-                </a:solidFill>
-                <a:latin typeface="Noto Sans CJK KR Regular" pitchFamily="34" charset="0"/>
-                <a:cs typeface="Noto Sans CJK KR Regular" pitchFamily="34" charset="0"/>
-              </a:rPr>
-              <a:t>           float3 vHalf = float3(0.0f, 1.0f, 0.0f);</a:t>
-            </a:r>
-          </a:p>
-          <a:p>
-            <a:r>
-              <a:rPr lang="en-US" sz="1500" dirty="0">
-                <a:solidFill>
-                  <a:srgbClr val="000000"/>
-                </a:solidFill>
-                <a:latin typeface="Noto Sans CJK KR Regular" pitchFamily="34" charset="0"/>
-                <a:cs typeface="Noto Sans CJK KR Regular" pitchFamily="34" charset="0"/>
-              </a:rPr>
-              <a:t>  #endif</a:t>
-            </a:r>
-          </a:p>
-          <a:p>
-            <a:r>
-              <a:rPr lang="en-US" sz="1500" dirty="0">
-                <a:solidFill>
-                  <a:srgbClr val="000000"/>
-                </a:solidFill>
-                <a:latin typeface="Noto Sans CJK KR Regular" pitchFamily="34" charset="0"/>
-                <a:cs typeface="Noto Sans CJK KR Regular" pitchFamily="34" charset="0"/>
-              </a:rPr>
-              <a:t>           fSpecularFactor = pow(max(dot(vHalf, vNormal), 0.0f), gMaterial.m_cSpecular.a);</a:t>
-            </a:r>
-          </a:p>
-          <a:p>
-            <a:r>
-              <a:rPr lang="en-US" sz="1500" dirty="0">
-                <a:solidFill>
-                  <a:srgbClr val="000000"/>
-                </a:solidFill>
-                <a:latin typeface="Noto Sans CJK KR Regular" pitchFamily="34" charset="0"/>
-                <a:cs typeface="Noto Sans CJK KR Regular" pitchFamily="34" charset="0"/>
-              </a:rPr>
-              <a:t>  #endif                                               </a:t>
-            </a:r>
-          </a:p>
-          <a:p>
-            <a:r>
-              <a:rPr lang="en-US" sz="1500" dirty="0">
-                <a:solidFill>
-                  <a:srgbClr val="000000"/>
-                </a:solidFill>
-                <a:latin typeface="Noto Sans CJK KR Regular" pitchFamily="34" charset="0"/>
-                <a:cs typeface="Noto Sans CJK KR Regular" pitchFamily="34" charset="0"/>
-              </a:rPr>
-              <a:t>         }</a:t>
-            </a:r>
-          </a:p>
-          <a:p>
-            <a:r>
-              <a:rPr lang="en-US" sz="1500" dirty="0">
-                <a:solidFill>
-                  <a:srgbClr val="000000"/>
-                </a:solidFill>
-                <a:latin typeface="Noto Sans CJK KR Regular" pitchFamily="34" charset="0"/>
-                <a:cs typeface="Noto Sans CJK KR Regular" pitchFamily="34" charset="0"/>
-              </a:rPr>
-              <a:t>     }</a:t>
-            </a:r>
-          </a:p>
-          <a:p>
+              <a:t>);				</a:t>
+            </a:r>
+            <a:r>
+              <a:rPr lang="en-US" altLang="ko-KR" sz="1400" b="1" dirty="0">
+                <a:solidFill>
+                  <a:schemeClr val="accent3">
+                    <a:lumMod val="75000"/>
+                  </a:schemeClr>
+                </a:solidFill>
+                <a:latin typeface="Noto Sans CJK KR Regular" pitchFamily="34" charset="0"/>
+                <a:cs typeface="Noto Sans CJK KR Regular" pitchFamily="34" charset="0"/>
+              </a:rPr>
+              <a:t> //</a:t>
+            </a:r>
+            <a:r>
+              <a:rPr lang="ko-KR" altLang="en-US" sz="1400" b="1" i="0" dirty="0" err="1">
+                <a:solidFill>
+                  <a:schemeClr val="accent3">
+                    <a:lumMod val="75000"/>
+                  </a:schemeClr>
+                </a:solidFill>
+                <a:effectLst/>
+                <a:latin typeface="Söhne"/>
+              </a:rPr>
+              <a:t>스페큘러</a:t>
+            </a:r>
+            <a:r>
+              <a:rPr lang="ko-KR" altLang="en-US" sz="1400" b="1" i="0" dirty="0">
+                <a:solidFill>
+                  <a:schemeClr val="accent3">
+                    <a:lumMod val="75000"/>
+                  </a:schemeClr>
+                </a:solidFill>
+                <a:effectLst/>
+                <a:latin typeface="Söhne"/>
+              </a:rPr>
+              <a:t> 반사 벡터 </a:t>
+            </a:r>
             <a:endParaRPr lang="en-US" sz="1500" dirty="0">
               <a:solidFill>
                 <a:srgbClr val="000000"/>
@@ -5794,6 +6591,325 @@
             <a:r>
               <a:rPr lang="en-US" sz="1500" dirty="0">
                 <a:solidFill>
+                  <a:srgbClr val="000000"/>
+                </a:solidFill>
+                <a:latin typeface="Noto Sans CJK KR Regular" pitchFamily="34" charset="0"/>
+                <a:cs typeface="Noto Sans CJK KR Regular" pitchFamily="34" charset="0"/>
+              </a:rPr>
+              <a:t>            fSpecularFactor = pow(max(dot(vReflect, vToCamera), 0.0f), </a:t>
+            </a:r>
+            <a:r>
+              <a:rPr lang="en-US" sz="1500" dirty="0" err="1">
+                <a:solidFill>
+                  <a:srgbClr val="000000"/>
+                </a:solidFill>
+                <a:latin typeface="Noto Sans CJK KR Regular" pitchFamily="34" charset="0"/>
+                <a:cs typeface="Noto Sans CJK KR Regular" pitchFamily="34" charset="0"/>
+              </a:rPr>
+              <a:t>gMaterial.m_cSpecular.a</a:t>
+            </a:r>
+            <a:r>
+              <a:rPr lang="en-US" sz="1500" dirty="0">
+                <a:solidFill>
+                  <a:srgbClr val="000000"/>
+                </a:solidFill>
+                <a:latin typeface="Noto Sans CJK KR Regular" pitchFamily="34" charset="0"/>
+                <a:cs typeface="Noto Sans CJK KR Regular" pitchFamily="34" charset="0"/>
+              </a:rPr>
+              <a:t>);	</a:t>
+            </a:r>
+            <a:r>
+              <a:rPr lang="en-US" sz="1500" b="1" dirty="0">
+                <a:solidFill>
+                  <a:schemeClr val="accent3">
+                    <a:lumMod val="75000"/>
+                  </a:schemeClr>
+                </a:solidFill>
+                <a:latin typeface="Noto Sans CJK KR Regular" pitchFamily="34" charset="0"/>
+                <a:cs typeface="Noto Sans CJK KR Regular" pitchFamily="34" charset="0"/>
+              </a:rPr>
+              <a:t>//</a:t>
+            </a:r>
+            <a:r>
+              <a:rPr lang="ko-KR" altLang="en-US" sz="1500" b="1" dirty="0">
+                <a:solidFill>
+                  <a:schemeClr val="accent3">
+                    <a:lumMod val="75000"/>
+                  </a:schemeClr>
+                </a:solidFill>
+                <a:latin typeface="Noto Sans CJK KR Regular" pitchFamily="34" charset="0"/>
+                <a:cs typeface="Noto Sans CJK KR Regular" pitchFamily="34" charset="0"/>
+              </a:rPr>
+              <a:t>카메라 </a:t>
+            </a:r>
+            <a:r>
+              <a:rPr lang="ko-KR" altLang="en-US" sz="1500" b="1" dirty="0" err="1">
+                <a:solidFill>
+                  <a:schemeClr val="accent3">
+                    <a:lumMod val="75000"/>
+                  </a:schemeClr>
+                </a:solidFill>
+                <a:latin typeface="Noto Sans CJK KR Regular" pitchFamily="34" charset="0"/>
+                <a:cs typeface="Noto Sans CJK KR Regular" pitchFamily="34" charset="0"/>
+              </a:rPr>
+              <a:t>뷰벡터와</a:t>
+            </a:r>
+            <a:r>
+              <a:rPr lang="ko-KR" altLang="en-US" sz="1500" b="1" dirty="0">
+                <a:solidFill>
+                  <a:schemeClr val="accent3">
+                    <a:lumMod val="75000"/>
+                  </a:schemeClr>
+                </a:solidFill>
+                <a:latin typeface="Noto Sans CJK KR Regular" pitchFamily="34" charset="0"/>
+                <a:cs typeface="Noto Sans CJK KR Regular" pitchFamily="34" charset="0"/>
+              </a:rPr>
+              <a:t> </a:t>
+            </a:r>
+            <a:r>
+              <a:rPr lang="ko-KR" altLang="en-US" sz="1500" b="1" dirty="0" err="1">
+                <a:solidFill>
+                  <a:schemeClr val="accent3">
+                    <a:lumMod val="75000"/>
+                  </a:schemeClr>
+                </a:solidFill>
+                <a:latin typeface="Noto Sans CJK KR Regular" pitchFamily="34" charset="0"/>
+                <a:cs typeface="Noto Sans CJK KR Regular" pitchFamily="34" charset="0"/>
+              </a:rPr>
+              <a:t>내적한</a:t>
+            </a:r>
+            <a:r>
+              <a:rPr lang="ko-KR" altLang="en-US" sz="1500" b="1" dirty="0">
+                <a:solidFill>
+                  <a:schemeClr val="accent3">
+                    <a:lumMod val="75000"/>
+                  </a:schemeClr>
+                </a:solidFill>
+                <a:latin typeface="Noto Sans CJK KR Regular" pitchFamily="34" charset="0"/>
+                <a:cs typeface="Noto Sans CJK KR Regular" pitchFamily="34" charset="0"/>
+              </a:rPr>
+              <a:t> 후 </a:t>
+            </a:r>
+            <a:endParaRPr lang="en-US" sz="1500" b="1" dirty="0">
+              <a:solidFill>
+                <a:schemeClr val="accent3">
+                  <a:lumMod val="75000"/>
+                </a:schemeClr>
+              </a:solidFill>
+              <a:latin typeface="Noto Sans CJK KR Regular" pitchFamily="34" charset="0"/>
+              <a:cs typeface="Noto Sans CJK KR Regular" pitchFamily="34" charset="0"/>
+            </a:endParaRPr>
+          </a:p>
+          <a:p>
+            <a:r>
+              <a:rPr lang="en-US" sz="1500" dirty="0">
+                <a:solidFill>
+                  <a:srgbClr val="000000"/>
+                </a:solidFill>
+                <a:latin typeface="Noto Sans CJK KR Regular" pitchFamily="34" charset="0"/>
+                <a:cs typeface="Noto Sans CJK KR Regular" pitchFamily="34" charset="0"/>
+              </a:rPr>
+              <a:t>  #else								</a:t>
+            </a:r>
+            <a:r>
+              <a:rPr lang="en-US" sz="1500" b="1" dirty="0">
+                <a:solidFill>
+                  <a:schemeClr val="accent3">
+                    <a:lumMod val="75000"/>
+                  </a:schemeClr>
+                </a:solidFill>
+                <a:latin typeface="Noto Sans CJK KR Regular" pitchFamily="34" charset="0"/>
+                <a:cs typeface="Noto Sans CJK KR Regular" pitchFamily="34" charset="0"/>
+              </a:rPr>
+              <a:t>//</a:t>
+            </a:r>
+            <a:r>
+              <a:rPr lang="ko-KR" altLang="en-US" sz="1500" b="1" dirty="0">
+                <a:solidFill>
+                  <a:schemeClr val="accent3">
+                    <a:lumMod val="75000"/>
+                  </a:schemeClr>
+                </a:solidFill>
+                <a:latin typeface="Noto Sans CJK KR Regular" pitchFamily="34" charset="0"/>
+                <a:cs typeface="Noto Sans CJK KR Regular" pitchFamily="34" charset="0"/>
+              </a:rPr>
+              <a:t>재질의 </a:t>
+            </a:r>
+            <a:r>
+              <a:rPr lang="ko-KR" altLang="en-US" sz="1500" b="1" dirty="0" err="1">
+                <a:solidFill>
+                  <a:schemeClr val="accent3">
+                    <a:lumMod val="75000"/>
+                  </a:schemeClr>
+                </a:solidFill>
+                <a:latin typeface="Noto Sans CJK KR Regular" pitchFamily="34" charset="0"/>
+                <a:cs typeface="Noto Sans CJK KR Regular" pitchFamily="34" charset="0"/>
+              </a:rPr>
+              <a:t>스팩큘러</a:t>
+            </a:r>
+            <a:r>
+              <a:rPr lang="ko-KR" altLang="en-US" sz="1500" b="1" dirty="0">
+                <a:solidFill>
+                  <a:schemeClr val="accent3">
+                    <a:lumMod val="75000"/>
+                  </a:schemeClr>
+                </a:solidFill>
+                <a:latin typeface="Noto Sans CJK KR Regular" pitchFamily="34" charset="0"/>
+                <a:cs typeface="Noto Sans CJK KR Regular" pitchFamily="34" charset="0"/>
+              </a:rPr>
+              <a:t> 계수를 곱</a:t>
+            </a:r>
+            <a:endParaRPr lang="en-US" sz="1500" b="1" dirty="0">
+              <a:solidFill>
+                <a:schemeClr val="accent3">
+                  <a:lumMod val="75000"/>
+                </a:schemeClr>
+              </a:solidFill>
+              <a:latin typeface="Noto Sans CJK KR Regular" pitchFamily="34" charset="0"/>
+              <a:cs typeface="Noto Sans CJK KR Regular" pitchFamily="34" charset="0"/>
+            </a:endParaRPr>
+          </a:p>
+          <a:p>
+            <a:r>
+              <a:rPr lang="en-US" sz="1500" dirty="0">
+                <a:solidFill>
+                  <a:srgbClr val="000000"/>
+                </a:solidFill>
+                <a:latin typeface="Noto Sans CJK KR Regular" pitchFamily="34" charset="0"/>
+                <a:cs typeface="Noto Sans CJK KR Regular" pitchFamily="34" charset="0"/>
+              </a:rPr>
+              <a:t>  #ifdef _WITH_LOCAL_VIEWER_HIGHLIGHTING</a:t>
+            </a:r>
+          </a:p>
+          <a:p>
+            <a:r>
+              <a:rPr lang="en-US" sz="1500" dirty="0">
+                <a:solidFill>
+                  <a:srgbClr val="000000"/>
+                </a:solidFill>
+                <a:latin typeface="Noto Sans CJK KR Regular" pitchFamily="34" charset="0"/>
+                <a:cs typeface="Noto Sans CJK KR Regular" pitchFamily="34" charset="0"/>
+              </a:rPr>
+              <a:t>            float3 vHalf = normalize(vToCamera + </a:t>
+            </a:r>
+            <a:r>
+              <a:rPr lang="en-US" altLang="ko-KR" sz="1500" dirty="0" err="1">
+                <a:solidFill>
+                  <a:srgbClr val="000000"/>
+                </a:solidFill>
+                <a:latin typeface="Noto Sans CJK KR Regular" pitchFamily="34" charset="0"/>
+                <a:cs typeface="Noto Sans CJK KR Regular" pitchFamily="34" charset="0"/>
+              </a:rPr>
+              <a:t>ViewToLight</a:t>
+            </a:r>
+            <a:r>
+              <a:rPr lang="en-US" sz="1500" dirty="0">
+                <a:solidFill>
+                  <a:srgbClr val="000000"/>
+                </a:solidFill>
+                <a:latin typeface="Noto Sans CJK KR Regular" pitchFamily="34" charset="0"/>
+                <a:cs typeface="Noto Sans CJK KR Regular" pitchFamily="34" charset="0"/>
+              </a:rPr>
+              <a:t>);</a:t>
+            </a:r>
+          </a:p>
+          <a:p>
+            <a:r>
+              <a:rPr lang="en-US" sz="1500" dirty="0">
+                <a:solidFill>
+                  <a:srgbClr val="000000"/>
+                </a:solidFill>
+                <a:latin typeface="Noto Sans CJK KR Regular" pitchFamily="34" charset="0"/>
+                <a:cs typeface="Noto Sans CJK KR Regular" pitchFamily="34" charset="0"/>
+              </a:rPr>
+              <a:t>  #else</a:t>
+            </a:r>
+          </a:p>
+          <a:p>
+            <a:r>
+              <a:rPr lang="en-US" sz="1500" dirty="0">
+                <a:solidFill>
+                  <a:srgbClr val="000000"/>
+                </a:solidFill>
+                <a:latin typeface="Noto Sans CJK KR Regular" pitchFamily="34" charset="0"/>
+                <a:cs typeface="Noto Sans CJK KR Regular" pitchFamily="34" charset="0"/>
+              </a:rPr>
+              <a:t>           float3 vHalf = float3(0.0f, 1.0f, 0.0f);</a:t>
+            </a:r>
+          </a:p>
+          <a:p>
+            <a:r>
+              <a:rPr lang="en-US" sz="1500" dirty="0">
+                <a:solidFill>
+                  <a:srgbClr val="000000"/>
+                </a:solidFill>
+                <a:latin typeface="Noto Sans CJK KR Regular" pitchFamily="34" charset="0"/>
+                <a:cs typeface="Noto Sans CJK KR Regular" pitchFamily="34" charset="0"/>
+              </a:rPr>
+              <a:t>  #endif</a:t>
+            </a:r>
+          </a:p>
+          <a:p>
+            <a:r>
+              <a:rPr lang="en-US" sz="1500" dirty="0">
+                <a:solidFill>
+                  <a:srgbClr val="000000"/>
+                </a:solidFill>
+                <a:latin typeface="Noto Sans CJK KR Regular" pitchFamily="34" charset="0"/>
+                <a:cs typeface="Noto Sans CJK KR Regular" pitchFamily="34" charset="0"/>
+              </a:rPr>
+              <a:t>           fSpecularFactor = pow(max(dot(vHalf, vNormal), 0.0f), gMaterial.m_cSpecular.a);</a:t>
+            </a:r>
+          </a:p>
+          <a:p>
+            <a:r>
+              <a:rPr lang="en-US" sz="1500" dirty="0">
+                <a:solidFill>
+                  <a:srgbClr val="000000"/>
+                </a:solidFill>
+                <a:latin typeface="Noto Sans CJK KR Regular" pitchFamily="34" charset="0"/>
+                <a:cs typeface="Noto Sans CJK KR Regular" pitchFamily="34" charset="0"/>
+              </a:rPr>
+              <a:t>  #endif                                               </a:t>
+            </a:r>
+          </a:p>
+          <a:p>
+            <a:r>
+              <a:rPr lang="en-US" sz="1500" dirty="0">
+                <a:solidFill>
+                  <a:srgbClr val="000000"/>
+                </a:solidFill>
+                <a:latin typeface="Noto Sans CJK KR Regular" pitchFamily="34" charset="0"/>
+                <a:cs typeface="Noto Sans CJK KR Regular" pitchFamily="34" charset="0"/>
+              </a:rPr>
+              <a:t>         }</a:t>
+            </a:r>
+          </a:p>
+          <a:p>
+            <a:r>
+              <a:rPr lang="en-US" sz="1500" dirty="0">
+                <a:solidFill>
+                  <a:srgbClr val="000000"/>
+                </a:solidFill>
+                <a:latin typeface="Noto Sans CJK KR Regular" pitchFamily="34" charset="0"/>
+                <a:cs typeface="Noto Sans CJK KR Regular" pitchFamily="34" charset="0"/>
+              </a:rPr>
+              <a:t>     }</a:t>
+            </a:r>
+          </a:p>
+          <a:p>
+            <a:endParaRPr lang="en-US" sz="1500" dirty="0">
+              <a:solidFill>
+                <a:srgbClr val="000000"/>
+              </a:solidFill>
+              <a:latin typeface="Noto Sans CJK KR Regular" pitchFamily="34" charset="0"/>
+              <a:cs typeface="Noto Sans CJK KR Regular" pitchFamily="34" charset="0"/>
+            </a:endParaRPr>
+          </a:p>
+          <a:p>
+            <a:r>
+              <a:rPr lang="en-US" sz="1500" dirty="0">
+                <a:solidFill>
                   <a:srgbClr val="5D6DBE"/>
                 </a:solidFill>
                 <a:latin typeface="Noto Sans CJK KR Regular" pitchFamily="34" charset="0"/>
@@ -5809,7 +6925,91 @@
                 <a:latin typeface="Noto Sans CJK KR Regular" pitchFamily="34" charset="0"/>
                 <a:cs typeface="Noto Sans CJK KR Regular" pitchFamily="34" charset="0"/>
               </a:rPr>
-              <a:t>#ifdef _WITH_THETA_PHI_CONES                                                                                                                    //스포트라이트 효과를 처리 ( PointLight에서 계산하지 않는다.) </a:t>
+              <a:t>#ifdef _WITH_THETA_PHI_CONES                                                                                                                    </a:t>
+            </a:r>
+            <a:r>
+              <a:rPr lang="en-US" sz="1500" b="1" dirty="0">
+                <a:solidFill>
+                  <a:schemeClr val="accent3">
+                    <a:lumMod val="75000"/>
+                  </a:schemeClr>
+                </a:solidFill>
+                <a:latin typeface="Noto Sans CJK KR Regular" pitchFamily="34" charset="0"/>
+                <a:cs typeface="Noto Sans CJK KR Regular" pitchFamily="34" charset="0"/>
+              </a:rPr>
+              <a:t>//스포트라이트 효과를 처리 ( PointLight에서 </a:t>
+            </a:r>
+            <a:r>
+              <a:rPr lang="en-US" sz="1500" b="1" dirty="0" err="1">
+                <a:solidFill>
+                  <a:schemeClr val="accent3">
+                    <a:lumMod val="75000"/>
+                  </a:schemeClr>
+                </a:solidFill>
+                <a:latin typeface="Noto Sans CJK KR Regular" pitchFamily="34" charset="0"/>
+                <a:cs typeface="Noto Sans CJK KR Regular" pitchFamily="34" charset="0"/>
+              </a:rPr>
+              <a:t>계산하지</a:t>
+            </a:r>
+            <a:r>
+              <a:rPr lang="en-US" sz="1500" b="1" dirty="0">
+                <a:solidFill>
+                  <a:schemeClr val="accent3">
+                    <a:lumMod val="75000"/>
+                  </a:schemeClr>
+                </a:solidFill>
+                <a:latin typeface="Noto Sans CJK KR Regular" pitchFamily="34" charset="0"/>
+                <a:cs typeface="Noto Sans CJK KR Regular" pitchFamily="34" charset="0"/>
+              </a:rPr>
+              <a:t> </a:t>
+            </a:r>
+            <a:r>
+              <a:rPr lang="en-US" sz="1500" b="1" dirty="0" err="1">
+                <a:solidFill>
+                  <a:schemeClr val="accent3">
+                    <a:lumMod val="75000"/>
+                  </a:schemeClr>
+                </a:solidFill>
+                <a:latin typeface="Noto Sans CJK KR Regular" pitchFamily="34" charset="0"/>
+                <a:cs typeface="Noto Sans CJK KR Regular" pitchFamily="34" charset="0"/>
+              </a:rPr>
+              <a:t>않는</a:t>
+            </a:r>
+            <a:r>
+              <a:rPr lang="en-US" sz="1500" b="1" dirty="0">
+                <a:solidFill>
+                  <a:schemeClr val="accent3">
+                    <a:lumMod val="75000"/>
+                  </a:schemeClr>
+                </a:solidFill>
+                <a:latin typeface="Noto Sans CJK KR Regular" pitchFamily="34" charset="0"/>
+                <a:cs typeface="Noto Sans CJK KR Regular" pitchFamily="34" charset="0"/>
+              </a:rPr>
+              <a:t> </a:t>
+            </a:r>
+            <a:r>
+              <a:rPr lang="ko-KR" altLang="en-US" sz="1500" b="1" dirty="0">
+                <a:solidFill>
+                  <a:schemeClr val="accent3">
+                    <a:lumMod val="75000"/>
+                  </a:schemeClr>
+                </a:solidFill>
+                <a:latin typeface="Noto Sans CJK KR Regular" pitchFamily="34" charset="0"/>
+                <a:cs typeface="Noto Sans CJK KR Regular" pitchFamily="34" charset="0"/>
+              </a:rPr>
+              <a:t>파란색 부분</a:t>
+            </a:r>
+            <a:r>
+              <a:rPr lang="en-US" sz="1500" b="1" dirty="0">
+                <a:solidFill>
+                  <a:schemeClr val="accent3">
+                    <a:lumMod val="75000"/>
+                  </a:schemeClr>
+                </a:solidFill>
+                <a:latin typeface="Noto Sans CJK KR Regular" pitchFamily="34" charset="0"/>
+                <a:cs typeface="Noto Sans CJK KR Regular" pitchFamily="34" charset="0"/>
+              </a:rPr>
+              <a:t>.) </a:t>
             </a:r>
           </a:p>
           <a:p>
@@ -5821,10 +7021,30 @@
                 <a:latin typeface="Noto Sans CJK KR Regular" pitchFamily="34" charset="0"/>
                 <a:cs typeface="Noto Sans CJK KR Regular" pitchFamily="34" charset="0"/>
               </a:rPr>
-              <a:t>      float fAlpha = max(dot(-vToLight, gLights[nIndex].m_vDirection), 0.0f);</a:t>
-            </a:r>
-          </a:p>
-          <a:p>
+              <a:t>      float fAlpha = max(dot(-</a:t>
+            </a:r>
+            <a:r>
+              <a:rPr lang="en-US" altLang="ko-KR" sz="1500" dirty="0">
+                <a:solidFill>
+                  <a:srgbClr val="000000"/>
+                </a:solidFill>
+                <a:latin typeface="Noto Sans CJK KR Regular" pitchFamily="34" charset="0"/>
+                <a:cs typeface="Noto Sans CJK KR Regular" pitchFamily="34" charset="0"/>
+              </a:rPr>
+              <a:t> </a:t>
+            </a:r>
+            <a:r>
+              <a:rPr lang="en-US" altLang="ko-KR" sz="1500" dirty="0" err="1">
+                <a:solidFill>
+                  <a:schemeClr val="accent1">
+                    <a:lumMod val="75000"/>
+                  </a:schemeClr>
+                </a:solidFill>
+                <a:latin typeface="Noto Sans CJK KR Regular" pitchFamily="34" charset="0"/>
+                <a:cs typeface="Noto Sans CJK KR Regular" pitchFamily="34" charset="0"/>
+              </a:rPr>
+              <a:t>ViewToLight</a:t>
+            </a:r>
             <a:r>
               <a:rPr lang="en-US" sz="1500" dirty="0">
                 <a:solidFill>
@@ -5833,6 +7053,18 @@
                 <a:latin typeface="Noto Sans CJK KR Regular" pitchFamily="34" charset="0"/>
                 <a:cs typeface="Noto Sans CJK KR Regular" pitchFamily="34" charset="0"/>
               </a:rPr>
+              <a:t>, gLights[nIndex].m_vDirection), 0.0f);</a:t>
+            </a:r>
+          </a:p>
+          <a:p>
+            <a:r>
+              <a:rPr lang="en-US" sz="1500" dirty="0">
+                <a:solidFill>
+                  <a:srgbClr val="3A4CA8"/>
+                </a:solidFill>
+                <a:latin typeface="Noto Sans CJK KR Regular" pitchFamily="34" charset="0"/>
+                <a:cs typeface="Noto Sans CJK KR Regular" pitchFamily="34" charset="0"/>
+              </a:rPr>
               <a:t>      float fSpotFactor = pow(max(((fAlpha - gLights[nIndex].m_fPhi) / (gLights[nIndex].m_fTheta - gLights[nIndex].m_fPhi)), 0.0f), gLights[nIndex].m_fFalloff);</a:t>
             </a:r>
           </a:p>
@@ -5857,7 +7089,39 @@
                 <a:latin typeface="Noto Sans CJK KR Regular" pitchFamily="34" charset="0"/>
                 <a:cs typeface="Noto Sans CJK KR Regular" pitchFamily="34" charset="0"/>
               </a:rPr>
-              <a:t>      float fSpotFactor = pow(max(dot(-vToLight, gLights[i].m_vDirection), 0.0f), gLights[i].m_fFalloff);</a:t>
+              <a:t>      float fSpotFactor = pow(max(dot(-</a:t>
+            </a:r>
+            <a:r>
+              <a:rPr lang="en-US" altLang="ko-KR" sz="1500" dirty="0">
+                <a:solidFill>
+                  <a:srgbClr val="000000"/>
+                </a:solidFill>
+                <a:latin typeface="Noto Sans CJK KR Regular" pitchFamily="34" charset="0"/>
+                <a:cs typeface="Noto Sans CJK KR Regular" pitchFamily="34" charset="0"/>
+              </a:rPr>
+              <a:t> </a:t>
+            </a:r>
+            <a:r>
+              <a:rPr lang="en-US" altLang="ko-KR" sz="1500" dirty="0" err="1">
+                <a:solidFill>
+                  <a:schemeClr val="accent1">
+                    <a:lumMod val="75000"/>
+                  </a:schemeClr>
+                </a:solidFill>
+                <a:latin typeface="Noto Sans CJK KR Regular" pitchFamily="34" charset="0"/>
+                <a:cs typeface="Noto Sans CJK KR Regular" pitchFamily="34" charset="0"/>
+              </a:rPr>
+              <a:t>ViewToLight</a:t>
+            </a:r>
+            <a:r>
+              <a:rPr lang="en-US" sz="1500" dirty="0">
+                <a:solidFill>
+                  <a:srgbClr val="3A4CA8"/>
+                </a:solidFill>
+                <a:latin typeface="Noto Sans CJK KR Regular" pitchFamily="34" charset="0"/>
+                <a:cs typeface="Noto Sans CJK KR Regular" pitchFamily="34" charset="0"/>
+              </a:rPr>
+              <a:t>, gLights[i].m_vDirection), 0.0f), gLights[i].m_fFalloff);</a:t>
             </a:r>
           </a:p>
           <a:p>
@@ -5890,7 +7154,19 @@
                 <a:latin typeface="Noto Sans CJK KR Regular" pitchFamily="34" charset="0"/>
                 <a:cs typeface="Noto Sans CJK KR Regular" pitchFamily="34" charset="0"/>
               </a:rPr>
-              <a:t>      float fAttenuationFactor = 1.0f / dot(gLights[nIndex].m_vAttenuation, float3(1.0f, fDistance, fDistance*fDistance));           //조명, 재질 및 거리에 따라 픽셀의 색상을 계산</a:t>
+              <a:t>      float fAttenuationFactor = 1.0f / dot(gLights[nIndex].m_vAttenuation, float3(1.0f, fDistance, fDistance*fDistance));           </a:t>
+            </a:r>
+            <a:r>
+              <a:rPr lang="en-US" sz="1500" b="1" dirty="0">
+                <a:solidFill>
+                  <a:schemeClr val="accent3">
+                    <a:lumMod val="75000"/>
+                  </a:schemeClr>
+                </a:solidFill>
+                <a:latin typeface="Noto Sans CJK KR Regular" pitchFamily="34" charset="0"/>
+                <a:cs typeface="Noto Sans CJK KR Regular" pitchFamily="34" charset="0"/>
+              </a:rPr>
+              <a:t>//조명, 재질 및 거리에 따라 픽셀의 색상을 계산</a:t>
             </a:r>
           </a:p>
           <a:p>
@@ -5986,50 +7262,36 @@
           </a:p>
         </p:txBody>
       </p:sp>
-      <p:grpSp>
-        <p:nvGrpSpPr>
-          <p:cNvPr id="1001" name="그룹 1001"/>
-          <p:cNvGrpSpPr/>
+      <p:pic>
+        <p:nvPicPr>
+          <p:cNvPr id="6" name="그림 5">
+            <a:extLst>
+              <a:ext uri="{FF2B5EF4-FFF2-40B4-BE49-F238E27FC236}">
+                <a16:creationId xmlns:a16="http://schemas.microsoft.com/office/drawing/2014/main" id="{96ED0B0F-C627-9F14-65BA-DF0790AA63FD}"/>
+              </a:ext>
+            </a:extLst>
+          </p:cNvPr>
+          <p:cNvPicPr>
+            <a:picLocks noChangeAspect="1"/>
+          </p:cNvPicPr>
           <p:nvPr/>
-        </p:nvGrpSpPr>
-        <p:grpSpPr>
+        </p:nvPicPr>
+        <p:blipFill>
+          <a:blip r:embed="rId2"/>
+          <a:stretch>
+            <a:fillRect/>
+          </a:stretch>
+        </p:blipFill>
+        <p:spPr>
           <a:xfrm>
-            <a:off x="11252154" y="1638300"/>
-            <a:ext cx="6883446" cy="4338194"/>
-            <a:chOff x="11402268" y="2267948"/>
-            <a:chExt cx="6883446" cy="4338194"/>
+            <a:off x="9982200" y="342900"/>
+            <a:ext cx="8077200" cy="4581525"/>
           </a:xfrm>
-        </p:grpSpPr>
-        <p:pic>
-          <p:nvPicPr>
-            <p:cNvPr id="3" name="Object 2"/>
-            <p:cNvPicPr>
-              <a:picLocks noChangeAspect="1"/>
-            </p:cNvPicPr>
-            <p:nvPr/>
-          </p:nvPicPr>
-          <p:blipFill>
-            <a:blip r:embed="rId2" cstate="print"/>
-            <a:stretch>
-              <a:fillRect/>
-            </a:stretch>
-          </p:blipFill>
-          <p:spPr>
-            <a:xfrm>
-              <a:off x="11402268" y="2267948"/>
-              <a:ext cx="6883446" cy="4338194"/>
-            </a:xfrm>
-            <a:prstGeom prst="rect">
-              <a:avLst/>
-            </a:prstGeom>
-            <a:ln>
-              <a:solidFill>
-                <a:schemeClr val="accent1"/>
-              </a:solidFill>
-            </a:ln>
-          </p:spPr>
-        </p:pic>
-      </p:grpSp>
+          <a:prstGeom prst="rect">
+            <a:avLst/>
+          </a:prstGeom>
+        </p:spPr>
+      </p:pic>
     </p:spTree>
   </p:cSld>
   <p:clrMapOvr>
